--- a/C# から Java へのプログラム移植で体験したTDDの効果は？.pptx
+++ b/C# から Java へのプログラム移植で体験したTDDの効果は？.pptx
@@ -5,7 +5,7 @@
     <p:sldMasterId id="2147483900" r:id="rId1"/>
   </p:sldMasterIdLst>
   <p:notesMasterIdLst>
-    <p:notesMasterId r:id="rId26"/>
+    <p:notesMasterId r:id="rId33"/>
   </p:notesMasterIdLst>
   <p:sldIdLst>
     <p:sldId id="257" r:id="rId2"/>
@@ -31,7 +31,14 @@
     <p:sldId id="307" r:id="rId22"/>
     <p:sldId id="296" r:id="rId23"/>
     <p:sldId id="309" r:id="rId24"/>
-    <p:sldId id="268" r:id="rId25"/>
+    <p:sldId id="312" r:id="rId25"/>
+    <p:sldId id="314" r:id="rId26"/>
+    <p:sldId id="313" r:id="rId27"/>
+    <p:sldId id="315" r:id="rId28"/>
+    <p:sldId id="316" r:id="rId29"/>
+    <p:sldId id="317" r:id="rId30"/>
+    <p:sldId id="318" r:id="rId31"/>
+    <p:sldId id="268" r:id="rId32"/>
   </p:sldIdLst>
   <p:sldSz cx="9144000" cy="6858000" type="screen4x3"/>
   <p:notesSz cx="6858000" cy="9144000"/>
@@ -245,7 +252,7 @@
           <a:p>
             <a:fld id="{DE67238C-7671-4987-82DB-4CE4B538354D}" type="datetimeFigureOut">
               <a:rPr kumimoji="1" lang="ja-JP" altLang="en-US" smtClean="0"/>
-              <a:t>2013/1/12</a:t>
+              <a:t>2013/1/13</a:t>
             </a:fld>
             <a:endParaRPr kumimoji="1" lang="ja-JP" altLang="en-US" dirty="0"/>
           </a:p>
@@ -699,7 +706,7 @@
                 </a:solidFill>
               </a:rPr>
               <a:pPr/>
-              <a:t>24</a:t>
+              <a:t>31</a:t>
             </a:fld>
             <a:endParaRPr lang="ja-JP" altLang="en-US" dirty="0">
               <a:solidFill>
@@ -21266,7 +21273,6 @@
               <a:rPr lang="ja-JP" altLang="en-US" sz="2000" dirty="0" smtClean="0"/>
               <a:t>いよいよ、私もテストファーストかぁ</a:t>
             </a:r>
-            <a:endParaRPr lang="ja-JP" altLang="en-US" sz="2000" dirty="0" smtClean="0"/>
           </a:p>
         </p:txBody>
       </p:sp>
@@ -21713,7 +21719,6 @@
               <a:rPr lang="ja-JP" altLang="en-US" sz="2000" dirty="0" smtClean="0"/>
               <a:t>初めて知った。テストのある世界ってこんなに素晴らしかったんだ</a:t>
             </a:r>
-            <a:endParaRPr lang="ja-JP" altLang="en-US" sz="2000" dirty="0" smtClean="0"/>
           </a:p>
         </p:txBody>
       </p:sp>
@@ -22021,11 +22026,7 @@
             </a:r>
             <a:r>
               <a:rPr lang="ja-JP" altLang="en-US" sz="1800" dirty="0"/>
-              <a:t>実践</a:t>
-            </a:r>
-            <a:r>
-              <a:rPr lang="ja-JP" altLang="en-US" sz="1800" dirty="0"/>
-              <a:t>入門　</a:t>
+              <a:t>実践入門　</a:t>
             </a:r>
             <a:r>
               <a:rPr lang="ja-JP" altLang="en-US" sz="1800" dirty="0" smtClean="0"/>
@@ -22035,7 +22036,6 @@
               <a:rPr lang="ja-JP" altLang="en-US" sz="1800" dirty="0"/>
               <a:t>に学ぶユニットテストの技法</a:t>
             </a:r>
-            <a:endParaRPr lang="ja-JP" altLang="en-US" sz="1800" dirty="0"/>
           </a:p>
           <a:p>
             <a:pPr marL="0" indent="0">
@@ -22371,7 +22371,6 @@
               <a:rPr lang="ja-JP" altLang="en-US" sz="2000" dirty="0" smtClean="0"/>
               <a:t>すいません、真のＴＤＤは、まだ、良く分かってません</a:t>
             </a:r>
-            <a:endParaRPr lang="ja-JP" altLang="en-US" sz="2000" dirty="0" smtClean="0"/>
           </a:p>
         </p:txBody>
       </p:sp>
@@ -23118,7 +23117,6 @@
               <a:rPr lang="ja-JP" altLang="en-US" sz="2000" dirty="0" smtClean="0"/>
               <a:t>を多く抱えるという事</a:t>
             </a:r>
-            <a:endParaRPr lang="ja-JP" altLang="en-US" sz="2000" dirty="0" smtClean="0"/>
           </a:p>
         </p:txBody>
       </p:sp>
@@ -24406,7 +24404,6 @@
               <a:rPr lang="ja-JP" altLang="en-US" sz="2000" dirty="0" smtClean="0"/>
               <a:t>長期・大規模になると技術的負債の割合が大きい</a:t>
             </a:r>
-            <a:endParaRPr lang="ja-JP" altLang="en-US" sz="2000" dirty="0" smtClean="0"/>
           </a:p>
         </p:txBody>
       </p:sp>
@@ -25581,7 +25578,6 @@
               <a:rPr lang="ja-JP" altLang="en-US" sz="2000" dirty="0" smtClean="0"/>
               <a:t>新しい言語を始めたぐらいの気持ちで取り組むしかない</a:t>
             </a:r>
-            <a:endParaRPr lang="ja-JP" altLang="en-US" sz="2000" dirty="0" smtClean="0"/>
           </a:p>
         </p:txBody>
       </p:sp>
@@ -25979,7 +25975,6 @@
               <a:rPr lang="ja-JP" altLang="en-US" sz="2000" dirty="0" smtClean="0"/>
               <a:t>する</a:t>
             </a:r>
-            <a:endParaRPr lang="ja-JP" altLang="en-US" sz="2000" dirty="0" smtClean="0"/>
           </a:p>
         </p:txBody>
       </p:sp>
@@ -27499,7 +27494,6 @@
               <a:rPr lang="ja-JP" altLang="en-US" sz="2000" dirty="0" smtClean="0"/>
               <a:t>テストコードも単なるプログラム</a:t>
             </a:r>
-            <a:endParaRPr lang="ja-JP" altLang="en-US" sz="2000" dirty="0" smtClean="0"/>
           </a:p>
         </p:txBody>
       </p:sp>
@@ -28347,7 +28341,6 @@
               <a:rPr lang="ja-JP" altLang="en-US" sz="2000" dirty="0" smtClean="0"/>
               <a:t>テストによる新たな手法になるか・・・・</a:t>
             </a:r>
-            <a:endParaRPr lang="ja-JP" altLang="en-US" sz="2000" dirty="0" smtClean="0"/>
           </a:p>
         </p:txBody>
       </p:sp>
@@ -28791,170 +28784,823 @@
       </p:grpSpPr>
       <p:sp>
         <p:nvSpPr>
-          <p:cNvPr id="5123" name="Rectangle 3"/>
+          <p:cNvPr id="6" name="タイトル 2"/>
           <p:cNvSpPr>
-            <a:spLocks noGrp="1" noChangeArrowheads="1"/>
+            <a:spLocks noGrp="1"/>
           </p:cNvSpPr>
           <p:nvPr>
-            <p:ph type="subTitle" idx="1"/>
+            <p:ph type="title"/>
           </p:nvPr>
         </p:nvSpPr>
         <p:spPr>
           <a:xfrm>
-            <a:off x="539552" y="1556792"/>
-            <a:ext cx="7920880" cy="4137943"/>
+            <a:off x="457200" y="338138"/>
+            <a:ext cx="8229600" cy="1252537"/>
           </a:xfrm>
         </p:spPr>
         <p:txBody>
-          <a:bodyPr rtlCol="0">
-            <a:normAutofit/>
-          </a:bodyPr>
+          <a:bodyPr/>
           <a:lstStyle/>
           <a:p>
-            <a:pPr fontAlgn="auto">
-              <a:spcAft>
-                <a:spcPts val="0"/>
-              </a:spcAft>
-              <a:buFont typeface="Symbol" pitchFamily="18" charset="2"/>
-              <a:buNone/>
-              <a:defRPr/>
-            </a:pPr>
-            <a:r>
-              <a:rPr lang="ja-JP" altLang="en-US" sz="2400" dirty="0" smtClean="0"/>
-              <a:t>サンプルプログラムとスライドを下記に置きました</a:t>
-            </a:r>
-            <a:endParaRPr lang="en-US" altLang="ja-JP" sz="2400" dirty="0" smtClean="0"/>
-          </a:p>
-          <a:p>
-            <a:pPr fontAlgn="auto">
-              <a:spcAft>
-                <a:spcPts val="0"/>
-              </a:spcAft>
-              <a:buFont typeface="Symbol" pitchFamily="18" charset="2"/>
-              <a:buNone/>
-              <a:defRPr/>
-            </a:pPr>
-            <a:r>
-              <a:rPr lang="ja-JP" altLang="en-US" sz="2400" dirty="0" smtClean="0"/>
-              <a:t>興味を持っていただけた場合は、ぜひご利用ください。</a:t>
-            </a:r>
-            <a:endParaRPr lang="en-US" altLang="ja-JP" sz="2400" dirty="0" smtClean="0"/>
-          </a:p>
-          <a:p>
-            <a:pPr fontAlgn="auto">
-              <a:spcAft>
-                <a:spcPts val="0"/>
-              </a:spcAft>
-              <a:buFont typeface="Symbol" pitchFamily="18" charset="2"/>
-              <a:buNone/>
-              <a:defRPr/>
-            </a:pPr>
-            <a:endParaRPr lang="en-US" altLang="ja-JP" sz="2400" dirty="0"/>
-          </a:p>
-          <a:p>
-            <a:pPr fontAlgn="auto">
-              <a:spcAft>
-                <a:spcPts val="0"/>
-              </a:spcAft>
-              <a:defRPr/>
-            </a:pPr>
-            <a:r>
-              <a:rPr lang="en-US" altLang="ja-JP" sz="2400" dirty="0">
-                <a:solidFill>
-                  <a:schemeClr val="tx1"/>
-                </a:solidFill>
-                <a:latin typeface="+mn-ea"/>
-                <a:hlinkClick r:id="rId3"/>
-              </a:rPr>
-              <a:t>http</a:t>
-            </a:r>
-            <a:r>
-              <a:rPr lang="en-US" altLang="ja-JP" sz="2400">
-                <a:solidFill>
-                  <a:schemeClr val="tx1"/>
-                </a:solidFill>
-                <a:latin typeface="+mn-ea"/>
-                <a:hlinkClick r:id="rId3"/>
-              </a:rPr>
-              <a:t>://</a:t>
-            </a:r>
-            <a:r>
-              <a:rPr lang="en-US" altLang="ja-JP" sz="2400" smtClean="0">
-                <a:solidFill>
-                  <a:schemeClr val="tx1"/>
-                </a:solidFill>
-                <a:latin typeface="+mn-ea"/>
-                <a:hlinkClick r:id="rId3"/>
-              </a:rPr>
-              <a:t>www.sapporoworks.ne.jp/session/2011.05.20/</a:t>
-            </a:r>
-            <a:endParaRPr lang="en-US" altLang="ja-JP" sz="2400" dirty="0" smtClean="0">
-              <a:solidFill>
-                <a:schemeClr val="tx1"/>
-              </a:solidFill>
-              <a:latin typeface="+mn-ea"/>
-            </a:endParaRPr>
-          </a:p>
-          <a:p>
-            <a:pPr fontAlgn="auto">
-              <a:spcAft>
-                <a:spcPts val="0"/>
-              </a:spcAft>
-              <a:buFont typeface="Symbol" pitchFamily="18" charset="2"/>
-              <a:buNone/>
-              <a:defRPr/>
-            </a:pPr>
-            <a:endParaRPr lang="en-US" altLang="ja-JP" dirty="0" smtClean="0"/>
-          </a:p>
-          <a:p>
-            <a:pPr fontAlgn="auto">
-              <a:spcAft>
-                <a:spcPts val="0"/>
-              </a:spcAft>
-              <a:buFont typeface="Symbol" pitchFamily="18" charset="2"/>
-              <a:buNone/>
-              <a:defRPr/>
-            </a:pPr>
-            <a:endParaRPr lang="en-US" altLang="ja-JP" dirty="0"/>
-          </a:p>
-          <a:p>
-            <a:pPr fontAlgn="auto">
-              <a:spcAft>
-                <a:spcPts val="0"/>
-              </a:spcAft>
-              <a:buFont typeface="Symbol" pitchFamily="18" charset="2"/>
-              <a:buNone/>
-              <a:defRPr/>
-            </a:pPr>
-            <a:endParaRPr lang="en-US" altLang="ja-JP" dirty="0" smtClean="0"/>
-          </a:p>
-          <a:p>
-            <a:pPr fontAlgn="auto">
-              <a:spcAft>
-                <a:spcPts val="0"/>
-              </a:spcAft>
-              <a:buFont typeface="Symbol" pitchFamily="18" charset="2"/>
-              <a:buNone/>
-              <a:defRPr/>
-            </a:pPr>
-            <a:r>
-              <a:rPr lang="en-US" altLang="ja-JP" b="1" dirty="0" smtClean="0"/>
-              <a:t>@furuya02</a:t>
-            </a:r>
-            <a:endParaRPr lang="ja-JP" altLang="en-US" b="1" dirty="0"/>
+            <a:r>
+              <a:rPr lang="ja-JP" altLang="en-US" sz="4000" dirty="0" smtClean="0"/>
+              <a:t>メソッドは日本語</a:t>
+            </a:r>
+            <a:r>
+              <a:rPr lang="ja-JP" altLang="en-US" sz="4000" dirty="0"/>
+              <a:t>（１）</a:t>
+            </a:r>
+            <a:r>
+              <a:rPr lang="en-US" altLang="ja-JP" sz="4000" dirty="0" smtClean="0"/>
+              <a:t/>
+            </a:r>
+            <a:br>
+              <a:rPr lang="en-US" altLang="ja-JP" sz="4000" dirty="0" smtClean="0"/>
+            </a:br>
+            <a:r>
+              <a:rPr lang="ja-JP" altLang="en-US" sz="2000" dirty="0" smtClean="0"/>
+              <a:t>結構</a:t>
+            </a:r>
+            <a:r>
+              <a:rPr lang="ja-JP" altLang="en-US" sz="2000" dirty="0"/>
+              <a:t>長い間、抵抗があって躊躇っていたが・・・</a:t>
+            </a:r>
+            <a:r>
+              <a:rPr lang="ja-JP" altLang="en-US" sz="2000" dirty="0" smtClean="0"/>
+              <a:t>・</a:t>
+            </a:r>
+            <a:endParaRPr lang="ja-JP" altLang="en-US" sz="2000" dirty="0" smtClean="0"/>
           </a:p>
         </p:txBody>
       </p:sp>
       <p:pic>
         <p:nvPicPr>
-          <p:cNvPr id="8196" name="Picture 6"/>
+          <p:cNvPr id="1028" name="Picture 4"/>
           <p:cNvPicPr>
             <a:picLocks noChangeAspect="1" noChangeArrowheads="1"/>
           </p:cNvPicPr>
           <p:nvPr/>
         </p:nvPicPr>
         <p:blipFill>
-          <a:blip r:embed="rId4">
+          <a:blip r:embed="rId2">
+            <a:extLst>
+              <a:ext uri="{28A0092B-C50C-407E-A947-70E740481C1C}">
+                <a14:useLocalDpi xmlns:a14="http://schemas.microsoft.com/office/drawing/2010/main" val="0"/>
+              </a:ext>
+            </a:extLst>
+          </a:blip>
+          <a:srcRect/>
+          <a:stretch>
+            <a:fillRect/>
+          </a:stretch>
+        </p:blipFill>
+        <p:spPr bwMode="auto">
+          <a:xfrm>
+            <a:off x="1043608" y="1556792"/>
+            <a:ext cx="7463174" cy="5112568"/>
+          </a:xfrm>
+          <a:prstGeom prst="rect">
+            <a:avLst/>
+          </a:prstGeom>
+          <a:noFill/>
+          <a:ln>
+            <a:noFill/>
+          </a:ln>
+          <a:effectLst/>
+          <a:extLst>
+            <a:ext uri="{909E8E84-426E-40DD-AFC4-6F175D3DCCD1}">
+              <a14:hiddenFill xmlns:a14="http://schemas.microsoft.com/office/drawing/2010/main">
+                <a:solidFill>
+                  <a:schemeClr val="accent1"/>
+                </a:solidFill>
+              </a14:hiddenFill>
+            </a:ext>
+            <a:ext uri="{91240B29-F687-4F45-9708-019B960494DF}">
+              <a14:hiddenLine xmlns:a14="http://schemas.microsoft.com/office/drawing/2010/main" w="9525">
+                <a:solidFill>
+                  <a:schemeClr val="tx1"/>
+                </a:solidFill>
+                <a:miter lim="800000"/>
+                <a:headEnd/>
+                <a:tailEnd/>
+              </a14:hiddenLine>
+            </a:ext>
+            <a:ext uri="{AF507438-7753-43E0-B8FC-AC1667EBCBE1}">
+              <a14:hiddenEffects xmlns:a14="http://schemas.microsoft.com/office/drawing/2010/main">
+                <a:effectLst>
+                  <a:outerShdw dist="35921" dir="2700000" algn="ctr" rotWithShape="0">
+                    <a:schemeClr val="bg2"/>
+                  </a:outerShdw>
+                </a:effectLst>
+              </a14:hiddenEffects>
+            </a:ext>
+          </a:extLst>
+        </p:spPr>
+      </p:pic>
+      <p:sp>
+        <p:nvSpPr>
+          <p:cNvPr id="10" name="コンテンツ プレースホルダー 1"/>
+          <p:cNvSpPr txBox="1">
+            <a:spLocks/>
+          </p:cNvSpPr>
+          <p:nvPr/>
+        </p:nvSpPr>
+        <p:spPr bwMode="auto">
+          <a:xfrm>
+            <a:off x="6156176" y="5949280"/>
+            <a:ext cx="2738328" cy="585503"/>
+          </a:xfrm>
+          <a:prstGeom prst="rect">
+            <a:avLst/>
+          </a:prstGeom>
+          <a:ln/>
+          <a:extLst/>
+        </p:spPr>
+        <p:style>
+          <a:lnRef idx="3">
+            <a:schemeClr val="lt1"/>
+          </a:lnRef>
+          <a:fillRef idx="1">
+            <a:schemeClr val="dk1"/>
+          </a:fillRef>
+          <a:effectRef idx="1">
+            <a:schemeClr val="dk1"/>
+          </a:effectRef>
+          <a:fontRef idx="minor">
+            <a:schemeClr val="lt1"/>
+          </a:fontRef>
+        </p:style>
+        <p:txBody>
+          <a:bodyPr vert="horz" wrap="square" lIns="91440" tIns="45720" rIns="91440" bIns="45720" numCol="1" anchor="t" anchorCtr="0" compatLnSpc="1">
+            <a:prstTxWarp prst="textNoShape">
+              <a:avLst/>
+            </a:prstTxWarp>
+          </a:bodyPr>
+          <a:lstStyle>
+            <a:lvl1pPr marL="273050" indent="-273050" algn="l" rtl="0" fontAlgn="base">
+              <a:spcBef>
+                <a:spcPct val="20000"/>
+              </a:spcBef>
+              <a:spcAft>
+                <a:spcPct val="0"/>
+              </a:spcAft>
+              <a:buClr>
+                <a:schemeClr val="accent1"/>
+              </a:buClr>
+              <a:buSzPct val="100000"/>
+              <a:buFont typeface="Symbol"/>
+              <a:buChar char=""/>
+              <a:defRPr kumimoji="1" sz="2400" kern="1200">
+                <a:solidFill>
+                  <a:schemeClr val="tx2"/>
+                </a:solidFill>
+                <a:latin typeface="+mn-lt"/>
+                <a:ea typeface="+mn-ea"/>
+                <a:cs typeface="+mn-cs"/>
+              </a:defRPr>
+            </a:lvl1pPr>
+            <a:lvl2pPr marL="576263" indent="-273050" algn="l" rtl="0" fontAlgn="base">
+              <a:spcBef>
+                <a:spcPct val="20000"/>
+              </a:spcBef>
+              <a:spcAft>
+                <a:spcPct val="0"/>
+              </a:spcAft>
+              <a:buClr>
+                <a:schemeClr val="accent1"/>
+              </a:buClr>
+              <a:buSzPct val="100000"/>
+              <a:buFont typeface="Symbol"/>
+              <a:buChar char=""/>
+              <a:defRPr kumimoji="1" sz="2200" kern="1200">
+                <a:solidFill>
+                  <a:schemeClr val="tx2"/>
+                </a:solidFill>
+                <a:latin typeface="+mn-lt"/>
+                <a:ea typeface="+mn-ea"/>
+                <a:cs typeface="+mn-cs"/>
+              </a:defRPr>
+            </a:lvl2pPr>
+            <a:lvl3pPr marL="855663" indent="-228600" algn="l" rtl="0" fontAlgn="base">
+              <a:spcBef>
+                <a:spcPct val="20000"/>
+              </a:spcBef>
+              <a:spcAft>
+                <a:spcPct val="0"/>
+              </a:spcAft>
+              <a:buClr>
+                <a:schemeClr val="accent1"/>
+              </a:buClr>
+              <a:buSzPct val="100000"/>
+              <a:buFont typeface="Symbol"/>
+              <a:buChar char=""/>
+              <a:defRPr kumimoji="1" sz="2000" kern="1200">
+                <a:solidFill>
+                  <a:schemeClr val="tx2"/>
+                </a:solidFill>
+                <a:latin typeface="+mn-lt"/>
+                <a:ea typeface="+mn-ea"/>
+                <a:cs typeface="+mn-cs"/>
+              </a:defRPr>
+            </a:lvl3pPr>
+            <a:lvl4pPr marL="1143000" indent="-228600" algn="l" rtl="0" fontAlgn="base">
+              <a:spcBef>
+                <a:spcPct val="20000"/>
+              </a:spcBef>
+              <a:spcAft>
+                <a:spcPct val="0"/>
+              </a:spcAft>
+              <a:buClr>
+                <a:schemeClr val="accent1"/>
+              </a:buClr>
+              <a:buSzPct val="100000"/>
+              <a:buFont typeface="Symbol"/>
+              <a:buChar char=""/>
+              <a:defRPr kumimoji="1" kern="1200">
+                <a:solidFill>
+                  <a:schemeClr val="tx2"/>
+                </a:solidFill>
+                <a:latin typeface="+mn-lt"/>
+                <a:ea typeface="+mn-ea"/>
+                <a:cs typeface="+mn-cs"/>
+              </a:defRPr>
+            </a:lvl4pPr>
+            <a:lvl5pPr marL="1462088" indent="-228600" algn="l" rtl="0" fontAlgn="base">
+              <a:spcBef>
+                <a:spcPct val="20000"/>
+              </a:spcBef>
+              <a:spcAft>
+                <a:spcPct val="0"/>
+              </a:spcAft>
+              <a:buClr>
+                <a:schemeClr val="accent1"/>
+              </a:buClr>
+              <a:buSzPct val="100000"/>
+              <a:buFont typeface="Symbol"/>
+              <a:buChar char=""/>
+              <a:defRPr kumimoji="1" sz="1600" kern="1200">
+                <a:solidFill>
+                  <a:schemeClr val="tx2"/>
+                </a:solidFill>
+                <a:latin typeface="+mn-lt"/>
+                <a:ea typeface="+mn-ea"/>
+                <a:cs typeface="+mn-cs"/>
+              </a:defRPr>
+            </a:lvl5pPr>
+            <a:lvl6pPr marL="1783080" indent="-228600" algn="l" defTabSz="914400" rtl="0" eaLnBrk="1" latinLnBrk="0" hangingPunct="1">
+              <a:spcBef>
+                <a:spcPts val="384"/>
+              </a:spcBef>
+              <a:buClr>
+                <a:schemeClr val="accent1"/>
+              </a:buClr>
+              <a:buFont typeface="Symbol" pitchFamily="18" charset="2"/>
+              <a:buChar char="*"/>
+              <a:defRPr kumimoji="1" sz="1400" kern="1200">
+                <a:solidFill>
+                  <a:schemeClr val="tx2"/>
+                </a:solidFill>
+                <a:latin typeface="+mn-lt"/>
+                <a:ea typeface="+mn-ea"/>
+                <a:cs typeface="+mn-cs"/>
+              </a:defRPr>
+            </a:lvl6pPr>
+            <a:lvl7pPr marL="2103120" indent="-228600" algn="l" defTabSz="914400" rtl="0" eaLnBrk="1" latinLnBrk="0" hangingPunct="1">
+              <a:spcBef>
+                <a:spcPts val="384"/>
+              </a:spcBef>
+              <a:buClr>
+                <a:schemeClr val="accent1"/>
+              </a:buClr>
+              <a:buFont typeface="Symbol" pitchFamily="18" charset="2"/>
+              <a:buChar char="*"/>
+              <a:defRPr kumimoji="1" sz="1400" kern="1200">
+                <a:solidFill>
+                  <a:schemeClr val="tx2"/>
+                </a:solidFill>
+                <a:latin typeface="+mn-lt"/>
+                <a:ea typeface="+mn-ea"/>
+                <a:cs typeface="+mn-cs"/>
+              </a:defRPr>
+            </a:lvl7pPr>
+            <a:lvl8pPr marL="2423160" indent="-228600" algn="l" defTabSz="914400" rtl="0" eaLnBrk="1" latinLnBrk="0" hangingPunct="1">
+              <a:spcBef>
+                <a:spcPts val="384"/>
+              </a:spcBef>
+              <a:buClr>
+                <a:schemeClr val="accent1"/>
+              </a:buClr>
+              <a:buFont typeface="Symbol" pitchFamily="18" charset="2"/>
+              <a:buChar char="*"/>
+              <a:defRPr kumimoji="1" sz="1400" kern="1200">
+                <a:solidFill>
+                  <a:schemeClr val="tx2"/>
+                </a:solidFill>
+                <a:latin typeface="+mn-lt"/>
+                <a:ea typeface="+mn-ea"/>
+                <a:cs typeface="+mn-cs"/>
+              </a:defRPr>
+            </a:lvl8pPr>
+            <a:lvl9pPr marL="2743200" indent="-228600" algn="l" defTabSz="914400" rtl="0" eaLnBrk="1" latinLnBrk="0" hangingPunct="1">
+              <a:spcBef>
+                <a:spcPts val="384"/>
+              </a:spcBef>
+              <a:buClr>
+                <a:schemeClr val="accent1"/>
+              </a:buClr>
+              <a:buFont typeface="Symbol" pitchFamily="18" charset="2"/>
+              <a:buChar char="*"/>
+              <a:defRPr kumimoji="1" sz="1400" kern="1200">
+                <a:solidFill>
+                  <a:schemeClr val="tx2"/>
+                </a:solidFill>
+                <a:latin typeface="+mn-lt"/>
+                <a:ea typeface="+mn-ea"/>
+                <a:cs typeface="+mn-cs"/>
+              </a:defRPr>
+            </a:lvl9pPr>
+          </a:lstStyle>
+          <a:p>
+            <a:pPr marL="0" indent="0" algn="ctr">
+              <a:buNone/>
+            </a:pPr>
+            <a:r>
+              <a:rPr lang="en-US" altLang="ja-JP" sz="2800" b="1" dirty="0" err="1" smtClean="0">
+                <a:solidFill>
+                  <a:schemeClr val="accent5">
+                    <a:lumMod val="60000"/>
+                    <a:lumOff val="40000"/>
+                  </a:schemeClr>
+                </a:solidFill>
+              </a:rPr>
+              <a:t>Eclipse+JUnit</a:t>
+            </a:r>
+            <a:endParaRPr lang="en-US" altLang="ja-JP" sz="2800" b="1" dirty="0" smtClean="0">
+              <a:solidFill>
+                <a:schemeClr val="accent5">
+                  <a:lumMod val="60000"/>
+                  <a:lumOff val="40000"/>
+                </a:schemeClr>
+              </a:solidFill>
+            </a:endParaRPr>
+          </a:p>
+        </p:txBody>
+      </p:sp>
+    </p:spTree>
+    <p:extLst>
+      <p:ext uri="{BB962C8B-B14F-4D97-AF65-F5344CB8AC3E}">
+        <p14:creationId xmlns:p14="http://schemas.microsoft.com/office/powerpoint/2010/main" val="3512966356"/>
+      </p:ext>
+    </p:extLst>
+  </p:cSld>
+  <p:clrMapOvr>
+    <a:masterClrMapping/>
+  </p:clrMapOvr>
+  <p:timing>
+    <p:tnLst>
+      <p:par>
+        <p:cTn id="1" dur="indefinite" restart="never" nodeType="tmRoot"/>
+      </p:par>
+    </p:tnLst>
+  </p:timing>
+</p:sld>
+</file>
+
+<file path=ppt/slides/slide25.xml><?xml version="1.0" encoding="utf-8"?>
+<p:sld xmlns:a="http://schemas.openxmlformats.org/drawingml/2006/main" xmlns:r="http://schemas.openxmlformats.org/officeDocument/2006/relationships" xmlns:p="http://schemas.openxmlformats.org/presentationml/2006/main">
+  <p:cSld>
+    <p:spTree>
+      <p:nvGrpSpPr>
+        <p:cNvPr id="1" name=""/>
+        <p:cNvGrpSpPr/>
+        <p:nvPr/>
+      </p:nvGrpSpPr>
+      <p:grpSpPr>
+        <a:xfrm>
+          <a:off x="0" y="0"/>
+          <a:ext cx="0" cy="0"/>
+          <a:chOff x="0" y="0"/>
+          <a:chExt cx="0" cy="0"/>
+        </a:xfrm>
+      </p:grpSpPr>
+      <p:sp>
+        <p:nvSpPr>
+          <p:cNvPr id="6" name="タイトル 2"/>
+          <p:cNvSpPr>
+            <a:spLocks noGrp="1"/>
+          </p:cNvSpPr>
+          <p:nvPr>
+            <p:ph type="title"/>
+          </p:nvPr>
+        </p:nvSpPr>
+        <p:spPr>
+          <a:xfrm>
+            <a:off x="457200" y="338138"/>
+            <a:ext cx="8229600" cy="1252537"/>
+          </a:xfrm>
+        </p:spPr>
+        <p:txBody>
+          <a:bodyPr/>
+          <a:lstStyle/>
+          <a:p>
+            <a:r>
+              <a:rPr lang="ja-JP" altLang="en-US" sz="4000" dirty="0" smtClean="0"/>
+              <a:t>メソッドは日本語（２）</a:t>
+            </a:r>
+            <a:r>
+              <a:rPr lang="en-US" altLang="ja-JP" sz="4000" dirty="0" smtClean="0"/>
+              <a:t/>
+            </a:r>
+            <a:br>
+              <a:rPr lang="en-US" altLang="ja-JP" sz="4000" dirty="0" smtClean="0"/>
+            </a:br>
+            <a:r>
+              <a:rPr lang="ja-JP" altLang="en-US" sz="2000" dirty="0"/>
+              <a:t>やってみるとあまりにも分かりやすいのでハマる</a:t>
+            </a:r>
+            <a:endParaRPr lang="ja-JP" altLang="en-US" sz="2000" dirty="0" smtClean="0"/>
+          </a:p>
+        </p:txBody>
+      </p:sp>
+      <p:pic>
+        <p:nvPicPr>
+          <p:cNvPr id="1026" name="Picture 2"/>
+          <p:cNvPicPr>
+            <a:picLocks noChangeAspect="1" noChangeArrowheads="1"/>
+          </p:cNvPicPr>
+          <p:nvPr/>
+        </p:nvPicPr>
+        <p:blipFill>
+          <a:blip r:embed="rId2">
+            <a:extLst>
+              <a:ext uri="{28A0092B-C50C-407E-A947-70E740481C1C}">
+                <a14:useLocalDpi xmlns:a14="http://schemas.microsoft.com/office/drawing/2010/main" val="0"/>
+              </a:ext>
+            </a:extLst>
+          </a:blip>
+          <a:srcRect/>
+          <a:stretch>
+            <a:fillRect/>
+          </a:stretch>
+        </p:blipFill>
+        <p:spPr bwMode="auto">
+          <a:xfrm>
+            <a:off x="1259632" y="1539913"/>
+            <a:ext cx="6624736" cy="5253155"/>
+          </a:xfrm>
+          <a:prstGeom prst="rect">
+            <a:avLst/>
+          </a:prstGeom>
+          <a:noFill/>
+          <a:ln>
+            <a:noFill/>
+          </a:ln>
+          <a:effectLst/>
+          <a:extLst>
+            <a:ext uri="{909E8E84-426E-40DD-AFC4-6F175D3DCCD1}">
+              <a14:hiddenFill xmlns:a14="http://schemas.microsoft.com/office/drawing/2010/main">
+                <a:solidFill>
+                  <a:schemeClr val="accent1"/>
+                </a:solidFill>
+              </a14:hiddenFill>
+            </a:ext>
+            <a:ext uri="{91240B29-F687-4F45-9708-019B960494DF}">
+              <a14:hiddenLine xmlns:a14="http://schemas.microsoft.com/office/drawing/2010/main" w="9525">
+                <a:solidFill>
+                  <a:schemeClr val="tx1"/>
+                </a:solidFill>
+                <a:miter lim="800000"/>
+                <a:headEnd/>
+                <a:tailEnd/>
+              </a14:hiddenLine>
+            </a:ext>
+            <a:ext uri="{AF507438-7753-43E0-B8FC-AC1667EBCBE1}">
+              <a14:hiddenEffects xmlns:a14="http://schemas.microsoft.com/office/drawing/2010/main">
+                <a:effectLst>
+                  <a:outerShdw dist="35921" dir="2700000" algn="ctr" rotWithShape="0">
+                    <a:schemeClr val="bg2"/>
+                  </a:outerShdw>
+                </a:effectLst>
+              </a14:hiddenEffects>
+            </a:ext>
+          </a:extLst>
+        </p:spPr>
+      </p:pic>
+      <p:sp>
+        <p:nvSpPr>
+          <p:cNvPr id="7" name="コンテンツ プレースホルダー 1"/>
+          <p:cNvSpPr txBox="1">
+            <a:spLocks/>
+          </p:cNvSpPr>
+          <p:nvPr/>
+        </p:nvSpPr>
+        <p:spPr bwMode="auto">
+          <a:xfrm>
+            <a:off x="5724128" y="5949280"/>
+            <a:ext cx="3170376" cy="585503"/>
+          </a:xfrm>
+          <a:prstGeom prst="rect">
+            <a:avLst/>
+          </a:prstGeom>
+          <a:ln/>
+          <a:extLst/>
+        </p:spPr>
+        <p:style>
+          <a:lnRef idx="3">
+            <a:schemeClr val="lt1"/>
+          </a:lnRef>
+          <a:fillRef idx="1">
+            <a:schemeClr val="dk1"/>
+          </a:fillRef>
+          <a:effectRef idx="1">
+            <a:schemeClr val="dk1"/>
+          </a:effectRef>
+          <a:fontRef idx="minor">
+            <a:schemeClr val="lt1"/>
+          </a:fontRef>
+        </p:style>
+        <p:txBody>
+          <a:bodyPr vert="horz" wrap="square" lIns="91440" tIns="45720" rIns="91440" bIns="45720" numCol="1" anchor="t" anchorCtr="0" compatLnSpc="1">
+            <a:prstTxWarp prst="textNoShape">
+              <a:avLst/>
+            </a:prstTxWarp>
+          </a:bodyPr>
+          <a:lstStyle>
+            <a:lvl1pPr marL="273050" indent="-273050" algn="l" rtl="0" fontAlgn="base">
+              <a:spcBef>
+                <a:spcPct val="20000"/>
+              </a:spcBef>
+              <a:spcAft>
+                <a:spcPct val="0"/>
+              </a:spcAft>
+              <a:buClr>
+                <a:schemeClr val="accent1"/>
+              </a:buClr>
+              <a:buSzPct val="100000"/>
+              <a:buFont typeface="Symbol"/>
+              <a:buChar char=""/>
+              <a:defRPr kumimoji="1" sz="2400" kern="1200">
+                <a:solidFill>
+                  <a:schemeClr val="tx2"/>
+                </a:solidFill>
+                <a:latin typeface="+mn-lt"/>
+                <a:ea typeface="+mn-ea"/>
+                <a:cs typeface="+mn-cs"/>
+              </a:defRPr>
+            </a:lvl1pPr>
+            <a:lvl2pPr marL="576263" indent="-273050" algn="l" rtl="0" fontAlgn="base">
+              <a:spcBef>
+                <a:spcPct val="20000"/>
+              </a:spcBef>
+              <a:spcAft>
+                <a:spcPct val="0"/>
+              </a:spcAft>
+              <a:buClr>
+                <a:schemeClr val="accent1"/>
+              </a:buClr>
+              <a:buSzPct val="100000"/>
+              <a:buFont typeface="Symbol"/>
+              <a:buChar char=""/>
+              <a:defRPr kumimoji="1" sz="2200" kern="1200">
+                <a:solidFill>
+                  <a:schemeClr val="tx2"/>
+                </a:solidFill>
+                <a:latin typeface="+mn-lt"/>
+                <a:ea typeface="+mn-ea"/>
+                <a:cs typeface="+mn-cs"/>
+              </a:defRPr>
+            </a:lvl2pPr>
+            <a:lvl3pPr marL="855663" indent="-228600" algn="l" rtl="0" fontAlgn="base">
+              <a:spcBef>
+                <a:spcPct val="20000"/>
+              </a:spcBef>
+              <a:spcAft>
+                <a:spcPct val="0"/>
+              </a:spcAft>
+              <a:buClr>
+                <a:schemeClr val="accent1"/>
+              </a:buClr>
+              <a:buSzPct val="100000"/>
+              <a:buFont typeface="Symbol"/>
+              <a:buChar char=""/>
+              <a:defRPr kumimoji="1" sz="2000" kern="1200">
+                <a:solidFill>
+                  <a:schemeClr val="tx2"/>
+                </a:solidFill>
+                <a:latin typeface="+mn-lt"/>
+                <a:ea typeface="+mn-ea"/>
+                <a:cs typeface="+mn-cs"/>
+              </a:defRPr>
+            </a:lvl3pPr>
+            <a:lvl4pPr marL="1143000" indent="-228600" algn="l" rtl="0" fontAlgn="base">
+              <a:spcBef>
+                <a:spcPct val="20000"/>
+              </a:spcBef>
+              <a:spcAft>
+                <a:spcPct val="0"/>
+              </a:spcAft>
+              <a:buClr>
+                <a:schemeClr val="accent1"/>
+              </a:buClr>
+              <a:buSzPct val="100000"/>
+              <a:buFont typeface="Symbol"/>
+              <a:buChar char=""/>
+              <a:defRPr kumimoji="1" kern="1200">
+                <a:solidFill>
+                  <a:schemeClr val="tx2"/>
+                </a:solidFill>
+                <a:latin typeface="+mn-lt"/>
+                <a:ea typeface="+mn-ea"/>
+                <a:cs typeface="+mn-cs"/>
+              </a:defRPr>
+            </a:lvl4pPr>
+            <a:lvl5pPr marL="1462088" indent="-228600" algn="l" rtl="0" fontAlgn="base">
+              <a:spcBef>
+                <a:spcPct val="20000"/>
+              </a:spcBef>
+              <a:spcAft>
+                <a:spcPct val="0"/>
+              </a:spcAft>
+              <a:buClr>
+                <a:schemeClr val="accent1"/>
+              </a:buClr>
+              <a:buSzPct val="100000"/>
+              <a:buFont typeface="Symbol"/>
+              <a:buChar char=""/>
+              <a:defRPr kumimoji="1" sz="1600" kern="1200">
+                <a:solidFill>
+                  <a:schemeClr val="tx2"/>
+                </a:solidFill>
+                <a:latin typeface="+mn-lt"/>
+                <a:ea typeface="+mn-ea"/>
+                <a:cs typeface="+mn-cs"/>
+              </a:defRPr>
+            </a:lvl5pPr>
+            <a:lvl6pPr marL="1783080" indent="-228600" algn="l" defTabSz="914400" rtl="0" eaLnBrk="1" latinLnBrk="0" hangingPunct="1">
+              <a:spcBef>
+                <a:spcPts val="384"/>
+              </a:spcBef>
+              <a:buClr>
+                <a:schemeClr val="accent1"/>
+              </a:buClr>
+              <a:buFont typeface="Symbol" pitchFamily="18" charset="2"/>
+              <a:buChar char="*"/>
+              <a:defRPr kumimoji="1" sz="1400" kern="1200">
+                <a:solidFill>
+                  <a:schemeClr val="tx2"/>
+                </a:solidFill>
+                <a:latin typeface="+mn-lt"/>
+                <a:ea typeface="+mn-ea"/>
+                <a:cs typeface="+mn-cs"/>
+              </a:defRPr>
+            </a:lvl6pPr>
+            <a:lvl7pPr marL="2103120" indent="-228600" algn="l" defTabSz="914400" rtl="0" eaLnBrk="1" latinLnBrk="0" hangingPunct="1">
+              <a:spcBef>
+                <a:spcPts val="384"/>
+              </a:spcBef>
+              <a:buClr>
+                <a:schemeClr val="accent1"/>
+              </a:buClr>
+              <a:buFont typeface="Symbol" pitchFamily="18" charset="2"/>
+              <a:buChar char="*"/>
+              <a:defRPr kumimoji="1" sz="1400" kern="1200">
+                <a:solidFill>
+                  <a:schemeClr val="tx2"/>
+                </a:solidFill>
+                <a:latin typeface="+mn-lt"/>
+                <a:ea typeface="+mn-ea"/>
+                <a:cs typeface="+mn-cs"/>
+              </a:defRPr>
+            </a:lvl7pPr>
+            <a:lvl8pPr marL="2423160" indent="-228600" algn="l" defTabSz="914400" rtl="0" eaLnBrk="1" latinLnBrk="0" hangingPunct="1">
+              <a:spcBef>
+                <a:spcPts val="384"/>
+              </a:spcBef>
+              <a:buClr>
+                <a:schemeClr val="accent1"/>
+              </a:buClr>
+              <a:buFont typeface="Symbol" pitchFamily="18" charset="2"/>
+              <a:buChar char="*"/>
+              <a:defRPr kumimoji="1" sz="1400" kern="1200">
+                <a:solidFill>
+                  <a:schemeClr val="tx2"/>
+                </a:solidFill>
+                <a:latin typeface="+mn-lt"/>
+                <a:ea typeface="+mn-ea"/>
+                <a:cs typeface="+mn-cs"/>
+              </a:defRPr>
+            </a:lvl8pPr>
+            <a:lvl9pPr marL="2743200" indent="-228600" algn="l" defTabSz="914400" rtl="0" eaLnBrk="1" latinLnBrk="0" hangingPunct="1">
+              <a:spcBef>
+                <a:spcPts val="384"/>
+              </a:spcBef>
+              <a:buClr>
+                <a:schemeClr val="accent1"/>
+              </a:buClr>
+              <a:buFont typeface="Symbol" pitchFamily="18" charset="2"/>
+              <a:buChar char="*"/>
+              <a:defRPr kumimoji="1" sz="1400" kern="1200">
+                <a:solidFill>
+                  <a:schemeClr val="tx2"/>
+                </a:solidFill>
+                <a:latin typeface="+mn-lt"/>
+                <a:ea typeface="+mn-ea"/>
+                <a:cs typeface="+mn-cs"/>
+              </a:defRPr>
+            </a:lvl9pPr>
+          </a:lstStyle>
+          <a:p>
+            <a:pPr marL="0" indent="0" algn="ctr">
+              <a:buNone/>
+            </a:pPr>
+            <a:r>
+              <a:rPr lang="en-US" altLang="ja-JP" sz="2800" b="1" dirty="0" err="1">
+                <a:solidFill>
+                  <a:schemeClr val="accent5">
+                    <a:lumMod val="60000"/>
+                    <a:lumOff val="40000"/>
+                  </a:schemeClr>
+                </a:solidFill>
+              </a:rPr>
+              <a:t>ReSharper+NUnit</a:t>
+            </a:r>
+            <a:endParaRPr lang="en-US" altLang="ja-JP" sz="2800" b="1" dirty="0" smtClean="0">
+              <a:solidFill>
+                <a:schemeClr val="accent5">
+                  <a:lumMod val="60000"/>
+                  <a:lumOff val="40000"/>
+                </a:schemeClr>
+              </a:solidFill>
+            </a:endParaRPr>
+          </a:p>
+        </p:txBody>
+      </p:sp>
+    </p:spTree>
+    <p:extLst>
+      <p:ext uri="{BB962C8B-B14F-4D97-AF65-F5344CB8AC3E}">
+        <p14:creationId xmlns:p14="http://schemas.microsoft.com/office/powerpoint/2010/main" val="2784548950"/>
+      </p:ext>
+    </p:extLst>
+  </p:cSld>
+  <p:clrMapOvr>
+    <a:masterClrMapping/>
+  </p:clrMapOvr>
+  <p:timing>
+    <p:tnLst>
+      <p:par>
+        <p:cTn id="1" dur="indefinite" restart="never" nodeType="tmRoot"/>
+      </p:par>
+    </p:tnLst>
+  </p:timing>
+</p:sld>
+</file>
+
+<file path=ppt/slides/slide26.xml><?xml version="1.0" encoding="utf-8"?>
+<p:sld xmlns:a="http://schemas.openxmlformats.org/drawingml/2006/main" xmlns:r="http://schemas.openxmlformats.org/officeDocument/2006/relationships" xmlns:p="http://schemas.openxmlformats.org/presentationml/2006/main">
+  <p:cSld>
+    <p:spTree>
+      <p:nvGrpSpPr>
+        <p:cNvPr id="1" name=""/>
+        <p:cNvGrpSpPr/>
+        <p:nvPr/>
+      </p:nvGrpSpPr>
+      <p:grpSpPr>
+        <a:xfrm>
+          <a:off x="0" y="0"/>
+          <a:ext cx="0" cy="0"/>
+          <a:chOff x="0" y="0"/>
+          <a:chExt cx="0" cy="0"/>
+        </a:xfrm>
+      </p:grpSpPr>
+      <p:sp>
+        <p:nvSpPr>
+          <p:cNvPr id="2" name="コンテンツ プレースホルダー 1"/>
+          <p:cNvSpPr>
+            <a:spLocks noGrp="1"/>
+          </p:cNvSpPr>
+          <p:nvPr>
+            <p:ph idx="1"/>
+          </p:nvPr>
+        </p:nvSpPr>
+        <p:spPr/>
+        <p:txBody>
+          <a:bodyPr/>
+          <a:lstStyle/>
+          <a:p>
+            <a:endParaRPr kumimoji="1" lang="ja-JP" altLang="en-US"/>
+          </a:p>
+        </p:txBody>
+      </p:sp>
+      <p:pic>
+        <p:nvPicPr>
+          <p:cNvPr id="4" name="Picture 6"/>
+          <p:cNvPicPr>
+            <a:picLocks noChangeAspect="1" noChangeArrowheads="1"/>
+          </p:cNvPicPr>
+          <p:nvPr/>
+        </p:nvPicPr>
+        <p:blipFill>
+          <a:blip r:embed="rId2">
             <a:extLst>
               <a:ext uri="{28A0092B-C50C-407E-A947-70E740481C1C}">
                 <a14:useLocalDpi xmlns:a14="http://schemas.microsoft.com/office/drawing/2010/main" val="0"/>
@@ -29011,7 +29657,7 @@
       </p:pic>
       <p:sp>
         <p:nvSpPr>
-          <p:cNvPr id="8197" name="Text Box 7"/>
+          <p:cNvPr id="5" name="Text Box 7"/>
           <p:cNvSpPr txBox="1">
             <a:spLocks noChangeArrowheads="1"/>
           </p:cNvSpPr>
@@ -29179,20 +29825,1076 @@
             <a:r>
               <a:rPr lang="en-US" altLang="ja-JP" sz="1200" dirty="0">
                 <a:solidFill>
-                  <a:prstClr val="black"/>
+                  <a:srgbClr val="000000"/>
                 </a:solidFill>
                 <a:latin typeface="Corbel" pitchFamily="34" charset="0"/>
                 <a:cs typeface="Miriam" pitchFamily="34" charset="-79"/>
               </a:rPr>
               <a:t>copyright© 2011/03.. by SAPPOROWORKS</a:t>
             </a:r>
+          </a:p>
+        </p:txBody>
+      </p:sp>
+      <p:sp>
+        <p:nvSpPr>
+          <p:cNvPr id="6" name="タイトル 2"/>
+          <p:cNvSpPr>
+            <a:spLocks noGrp="1"/>
+          </p:cNvSpPr>
+          <p:nvPr>
+            <p:ph type="title"/>
+          </p:nvPr>
+        </p:nvSpPr>
+        <p:spPr>
+          <a:xfrm>
+            <a:off x="457200" y="338138"/>
+            <a:ext cx="8229600" cy="1252537"/>
+          </a:xfrm>
+        </p:spPr>
+        <p:txBody>
+          <a:bodyPr/>
+          <a:lstStyle/>
+          <a:p>
+            <a:r>
+              <a:rPr lang="ja-JP" altLang="en-US" sz="4000" dirty="0" smtClean="0"/>
+              <a:t>第１期</a:t>
+            </a:r>
+            <a:r>
+              <a:rPr lang="en-US" altLang="ja-JP" sz="4000" dirty="0" smtClean="0"/>
+              <a:t/>
+            </a:r>
+            <a:br>
+              <a:rPr lang="en-US" altLang="ja-JP" sz="4000" dirty="0" smtClean="0"/>
+            </a:br>
+            <a:r>
+              <a:rPr lang="en-US" altLang="ja-JP" sz="2000" dirty="0" smtClean="0"/>
+              <a:t>CCCC</a:t>
+            </a:r>
+            <a:endParaRPr lang="ja-JP" altLang="en-US" sz="2000" dirty="0" smtClean="0"/>
           </a:p>
         </p:txBody>
       </p:sp>
     </p:spTree>
     <p:extLst>
       <p:ext uri="{BB962C8B-B14F-4D97-AF65-F5344CB8AC3E}">
-        <p14:creationId xmlns:p14="http://schemas.microsoft.com/office/powerpoint/2010/main" val="3176266131"/>
+        <p14:creationId xmlns:p14="http://schemas.microsoft.com/office/powerpoint/2010/main" val="3512966356"/>
+      </p:ext>
+    </p:extLst>
+  </p:cSld>
+  <p:clrMapOvr>
+    <a:masterClrMapping/>
+  </p:clrMapOvr>
+  <p:timing>
+    <p:tnLst>
+      <p:par>
+        <p:cTn id="1" dur="indefinite" restart="never" nodeType="tmRoot"/>
+      </p:par>
+    </p:tnLst>
+  </p:timing>
+</p:sld>
+</file>
+
+<file path=ppt/slides/slide27.xml><?xml version="1.0" encoding="utf-8"?>
+<p:sld xmlns:a="http://schemas.openxmlformats.org/drawingml/2006/main" xmlns:r="http://schemas.openxmlformats.org/officeDocument/2006/relationships" xmlns:p="http://schemas.openxmlformats.org/presentationml/2006/main">
+  <p:cSld>
+    <p:spTree>
+      <p:nvGrpSpPr>
+        <p:cNvPr id="1" name=""/>
+        <p:cNvGrpSpPr/>
+        <p:nvPr/>
+      </p:nvGrpSpPr>
+      <p:grpSpPr>
+        <a:xfrm>
+          <a:off x="0" y="0"/>
+          <a:ext cx="0" cy="0"/>
+          <a:chOff x="0" y="0"/>
+          <a:chExt cx="0" cy="0"/>
+        </a:xfrm>
+      </p:grpSpPr>
+      <p:sp>
+        <p:nvSpPr>
+          <p:cNvPr id="2" name="コンテンツ プレースホルダー 1"/>
+          <p:cNvSpPr>
+            <a:spLocks noGrp="1"/>
+          </p:cNvSpPr>
+          <p:nvPr>
+            <p:ph idx="1"/>
+          </p:nvPr>
+        </p:nvSpPr>
+        <p:spPr/>
+        <p:txBody>
+          <a:bodyPr/>
+          <a:lstStyle/>
+          <a:p>
+            <a:endParaRPr kumimoji="1" lang="ja-JP" altLang="en-US"/>
+          </a:p>
+        </p:txBody>
+      </p:sp>
+      <p:pic>
+        <p:nvPicPr>
+          <p:cNvPr id="4" name="Picture 6"/>
+          <p:cNvPicPr>
+            <a:picLocks noChangeAspect="1" noChangeArrowheads="1"/>
+          </p:cNvPicPr>
+          <p:nvPr/>
+        </p:nvPicPr>
+        <p:blipFill>
+          <a:blip r:embed="rId2">
+            <a:extLst>
+              <a:ext uri="{28A0092B-C50C-407E-A947-70E740481C1C}">
+                <a14:useLocalDpi xmlns:a14="http://schemas.microsoft.com/office/drawing/2010/main" val="0"/>
+              </a:ext>
+            </a:extLst>
+          </a:blip>
+          <a:srcRect/>
+          <a:stretch>
+            <a:fillRect/>
+          </a:stretch>
+        </p:blipFill>
+        <p:spPr bwMode="auto">
+          <a:xfrm>
+            <a:off x="8243888" y="5983288"/>
+            <a:ext cx="657225" cy="671512"/>
+          </a:xfrm>
+          <a:prstGeom prst="rect">
+            <a:avLst/>
+          </a:prstGeom>
+          <a:noFill/>
+          <a:ln>
+            <a:noFill/>
+          </a:ln>
+          <a:effectLst/>
+          <a:extLst>
+            <a:ext uri="{909E8E84-426E-40DD-AFC4-6F175D3DCCD1}">
+              <a14:hiddenFill xmlns:a14="http://schemas.microsoft.com/office/drawing/2010/main">
+                <a:solidFill>
+                  <a:schemeClr val="accent1"/>
+                </a:solidFill>
+              </a14:hiddenFill>
+            </a:ext>
+            <a:ext uri="{91240B29-F687-4F45-9708-019B960494DF}">
+              <a14:hiddenLine xmlns:a14="http://schemas.microsoft.com/office/drawing/2010/main" w="9525">
+                <a:solidFill>
+                  <a:schemeClr val="tx1"/>
+                </a:solidFill>
+                <a:miter lim="800000"/>
+                <a:headEnd/>
+                <a:tailEnd/>
+              </a14:hiddenLine>
+            </a:ext>
+            <a:ext uri="{AF507438-7753-43E0-B8FC-AC1667EBCBE1}">
+              <a14:hiddenEffects xmlns:a14="http://schemas.microsoft.com/office/drawing/2010/main">
+                <a:effectLst>
+                  <a:outerShdw dist="35921" dir="2700000" algn="ctr" rotWithShape="0">
+                    <a:schemeClr val="bg2"/>
+                  </a:outerShdw>
+                </a:effectLst>
+              </a14:hiddenEffects>
+            </a:ext>
+          </a:extLst>
+        </p:spPr>
+      </p:pic>
+      <p:sp>
+        <p:nvSpPr>
+          <p:cNvPr id="5" name="Text Box 7"/>
+          <p:cNvSpPr txBox="1">
+            <a:spLocks noChangeArrowheads="1"/>
+          </p:cNvSpPr>
+          <p:nvPr/>
+        </p:nvSpPr>
+        <p:spPr bwMode="auto">
+          <a:xfrm>
+            <a:off x="5292725" y="6378575"/>
+            <a:ext cx="2951163" cy="277813"/>
+          </a:xfrm>
+          <a:prstGeom prst="rect">
+            <a:avLst/>
+          </a:prstGeom>
+          <a:noFill/>
+          <a:ln>
+            <a:noFill/>
+          </a:ln>
+          <a:effectLst/>
+          <a:extLst>
+            <a:ext uri="{909E8E84-426E-40DD-AFC4-6F175D3DCCD1}">
+              <a14:hiddenFill xmlns:a14="http://schemas.microsoft.com/office/drawing/2010/main">
+                <a:solidFill>
+                  <a:schemeClr val="accent1"/>
+                </a:solidFill>
+              </a14:hiddenFill>
+            </a:ext>
+            <a:ext uri="{91240B29-F687-4F45-9708-019B960494DF}">
+              <a14:hiddenLine xmlns:a14="http://schemas.microsoft.com/office/drawing/2010/main" w="9525">
+                <a:solidFill>
+                  <a:schemeClr val="tx1"/>
+                </a:solidFill>
+                <a:miter lim="800000"/>
+                <a:headEnd/>
+                <a:tailEnd/>
+              </a14:hiddenLine>
+            </a:ext>
+            <a:ext uri="{AF507438-7753-43E0-B8FC-AC1667EBCBE1}">
+              <a14:hiddenEffects xmlns:a14="http://schemas.microsoft.com/office/drawing/2010/main">
+                <a:effectLst>
+                  <a:outerShdw dist="35921" dir="2700000" algn="ctr" rotWithShape="0">
+                    <a:schemeClr val="bg2"/>
+                  </a:outerShdw>
+                </a:effectLst>
+              </a14:hiddenEffects>
+            </a:ext>
+          </a:extLst>
+        </p:spPr>
+        <p:txBody>
+          <a:bodyPr>
+            <a:spAutoFit/>
+          </a:bodyPr>
+          <a:lstStyle>
+            <a:lvl1pPr eaLnBrk="0" hangingPunct="0">
+              <a:defRPr kumimoji="1" sz="2400">
+                <a:solidFill>
+                  <a:schemeClr val="tx1"/>
+                </a:solidFill>
+                <a:latin typeface="Times New Roman" pitchFamily="18" charset="0"/>
+                <a:ea typeface="ＭＳ Ｐゴシック" pitchFamily="50" charset="-128"/>
+              </a:defRPr>
+            </a:lvl1pPr>
+            <a:lvl2pPr marL="742950" indent="-285750" eaLnBrk="0" hangingPunct="0">
+              <a:defRPr kumimoji="1" sz="2400">
+                <a:solidFill>
+                  <a:schemeClr val="tx1"/>
+                </a:solidFill>
+                <a:latin typeface="Times New Roman" pitchFamily="18" charset="0"/>
+                <a:ea typeface="ＭＳ Ｐゴシック" pitchFamily="50" charset="-128"/>
+              </a:defRPr>
+            </a:lvl2pPr>
+            <a:lvl3pPr marL="1143000" indent="-228600" eaLnBrk="0" hangingPunct="0">
+              <a:defRPr kumimoji="1" sz="2400">
+                <a:solidFill>
+                  <a:schemeClr val="tx1"/>
+                </a:solidFill>
+                <a:latin typeface="Times New Roman" pitchFamily="18" charset="0"/>
+                <a:ea typeface="ＭＳ Ｐゴシック" pitchFamily="50" charset="-128"/>
+              </a:defRPr>
+            </a:lvl3pPr>
+            <a:lvl4pPr marL="1600200" indent="-228600" eaLnBrk="0" hangingPunct="0">
+              <a:defRPr kumimoji="1" sz="2400">
+                <a:solidFill>
+                  <a:schemeClr val="tx1"/>
+                </a:solidFill>
+                <a:latin typeface="Times New Roman" pitchFamily="18" charset="0"/>
+                <a:ea typeface="ＭＳ Ｐゴシック" pitchFamily="50" charset="-128"/>
+              </a:defRPr>
+            </a:lvl4pPr>
+            <a:lvl5pPr marL="2057400" indent="-228600" eaLnBrk="0" hangingPunct="0">
+              <a:defRPr kumimoji="1" sz="2400">
+                <a:solidFill>
+                  <a:schemeClr val="tx1"/>
+                </a:solidFill>
+                <a:latin typeface="Times New Roman" pitchFamily="18" charset="0"/>
+                <a:ea typeface="ＭＳ Ｐゴシック" pitchFamily="50" charset="-128"/>
+              </a:defRPr>
+            </a:lvl5pPr>
+            <a:lvl6pPr marL="2514600" indent="-228600" eaLnBrk="0" fontAlgn="base" hangingPunct="0">
+              <a:spcBef>
+                <a:spcPct val="0"/>
+              </a:spcBef>
+              <a:spcAft>
+                <a:spcPct val="0"/>
+              </a:spcAft>
+              <a:defRPr kumimoji="1" sz="2400">
+                <a:solidFill>
+                  <a:schemeClr val="tx1"/>
+                </a:solidFill>
+                <a:latin typeface="Times New Roman" pitchFamily="18" charset="0"/>
+                <a:ea typeface="ＭＳ Ｐゴシック" pitchFamily="50" charset="-128"/>
+              </a:defRPr>
+            </a:lvl6pPr>
+            <a:lvl7pPr marL="2971800" indent="-228600" eaLnBrk="0" fontAlgn="base" hangingPunct="0">
+              <a:spcBef>
+                <a:spcPct val="0"/>
+              </a:spcBef>
+              <a:spcAft>
+                <a:spcPct val="0"/>
+              </a:spcAft>
+              <a:defRPr kumimoji="1" sz="2400">
+                <a:solidFill>
+                  <a:schemeClr val="tx1"/>
+                </a:solidFill>
+                <a:latin typeface="Times New Roman" pitchFamily="18" charset="0"/>
+                <a:ea typeface="ＭＳ Ｐゴシック" pitchFamily="50" charset="-128"/>
+              </a:defRPr>
+            </a:lvl7pPr>
+            <a:lvl8pPr marL="3429000" indent="-228600" eaLnBrk="0" fontAlgn="base" hangingPunct="0">
+              <a:spcBef>
+                <a:spcPct val="0"/>
+              </a:spcBef>
+              <a:spcAft>
+                <a:spcPct val="0"/>
+              </a:spcAft>
+              <a:defRPr kumimoji="1" sz="2400">
+                <a:solidFill>
+                  <a:schemeClr val="tx1"/>
+                </a:solidFill>
+                <a:latin typeface="Times New Roman" pitchFamily="18" charset="0"/>
+                <a:ea typeface="ＭＳ Ｐゴシック" pitchFamily="50" charset="-128"/>
+              </a:defRPr>
+            </a:lvl8pPr>
+            <a:lvl9pPr marL="3886200" indent="-228600" eaLnBrk="0" fontAlgn="base" hangingPunct="0">
+              <a:spcBef>
+                <a:spcPct val="0"/>
+              </a:spcBef>
+              <a:spcAft>
+                <a:spcPct val="0"/>
+              </a:spcAft>
+              <a:defRPr kumimoji="1" sz="2400">
+                <a:solidFill>
+                  <a:schemeClr val="tx1"/>
+                </a:solidFill>
+                <a:latin typeface="Times New Roman" pitchFamily="18" charset="0"/>
+                <a:ea typeface="ＭＳ Ｐゴシック" pitchFamily="50" charset="-128"/>
+              </a:defRPr>
+            </a:lvl9pPr>
+          </a:lstStyle>
+          <a:p>
+            <a:pPr eaLnBrk="1" hangingPunct="1">
+              <a:spcBef>
+                <a:spcPct val="50000"/>
+              </a:spcBef>
+            </a:pPr>
+            <a:r>
+              <a:rPr lang="en-US" altLang="ja-JP" sz="1200" dirty="0">
+                <a:solidFill>
+                  <a:srgbClr val="000000"/>
+                </a:solidFill>
+                <a:latin typeface="Corbel" pitchFamily="34" charset="0"/>
+                <a:cs typeface="Miriam" pitchFamily="34" charset="-79"/>
+              </a:rPr>
+              <a:t>copyright© 2011/03.. by SAPPOROWORKS</a:t>
+            </a:r>
+          </a:p>
+        </p:txBody>
+      </p:sp>
+      <p:sp>
+        <p:nvSpPr>
+          <p:cNvPr id="6" name="タイトル 2"/>
+          <p:cNvSpPr>
+            <a:spLocks noGrp="1"/>
+          </p:cNvSpPr>
+          <p:nvPr>
+            <p:ph type="title"/>
+          </p:nvPr>
+        </p:nvSpPr>
+        <p:spPr>
+          <a:xfrm>
+            <a:off x="457200" y="338138"/>
+            <a:ext cx="8229600" cy="1252537"/>
+          </a:xfrm>
+        </p:spPr>
+        <p:txBody>
+          <a:bodyPr/>
+          <a:lstStyle/>
+          <a:p>
+            <a:r>
+              <a:rPr lang="ja-JP" altLang="en-US" sz="4000" dirty="0" smtClean="0"/>
+              <a:t>第１期</a:t>
+            </a:r>
+            <a:r>
+              <a:rPr lang="en-US" altLang="ja-JP" sz="4000" dirty="0" smtClean="0"/>
+              <a:t/>
+            </a:r>
+            <a:br>
+              <a:rPr lang="en-US" altLang="ja-JP" sz="4000" dirty="0" smtClean="0"/>
+            </a:br>
+            <a:r>
+              <a:rPr lang="en-US" altLang="ja-JP" sz="2000" dirty="0" smtClean="0"/>
+              <a:t>CCCC</a:t>
+            </a:r>
+            <a:endParaRPr lang="ja-JP" altLang="en-US" sz="2000" dirty="0" smtClean="0"/>
+          </a:p>
+        </p:txBody>
+      </p:sp>
+    </p:spTree>
+    <p:extLst>
+      <p:ext uri="{BB962C8B-B14F-4D97-AF65-F5344CB8AC3E}">
+        <p14:creationId xmlns:p14="http://schemas.microsoft.com/office/powerpoint/2010/main" val="112353658"/>
+      </p:ext>
+    </p:extLst>
+  </p:cSld>
+  <p:clrMapOvr>
+    <a:masterClrMapping/>
+  </p:clrMapOvr>
+  <p:timing>
+    <p:tnLst>
+      <p:par>
+        <p:cTn id="1" dur="indefinite" restart="never" nodeType="tmRoot"/>
+      </p:par>
+    </p:tnLst>
+  </p:timing>
+</p:sld>
+</file>
+
+<file path=ppt/slides/slide28.xml><?xml version="1.0" encoding="utf-8"?>
+<p:sld xmlns:a="http://schemas.openxmlformats.org/drawingml/2006/main" xmlns:r="http://schemas.openxmlformats.org/officeDocument/2006/relationships" xmlns:p="http://schemas.openxmlformats.org/presentationml/2006/main">
+  <p:cSld>
+    <p:spTree>
+      <p:nvGrpSpPr>
+        <p:cNvPr id="1" name=""/>
+        <p:cNvGrpSpPr/>
+        <p:nvPr/>
+      </p:nvGrpSpPr>
+      <p:grpSpPr>
+        <a:xfrm>
+          <a:off x="0" y="0"/>
+          <a:ext cx="0" cy="0"/>
+          <a:chOff x="0" y="0"/>
+          <a:chExt cx="0" cy="0"/>
+        </a:xfrm>
+      </p:grpSpPr>
+      <p:sp>
+        <p:nvSpPr>
+          <p:cNvPr id="2" name="コンテンツ プレースホルダー 1"/>
+          <p:cNvSpPr>
+            <a:spLocks noGrp="1"/>
+          </p:cNvSpPr>
+          <p:nvPr>
+            <p:ph idx="1"/>
+          </p:nvPr>
+        </p:nvSpPr>
+        <p:spPr/>
+        <p:txBody>
+          <a:bodyPr/>
+          <a:lstStyle/>
+          <a:p>
+            <a:endParaRPr kumimoji="1" lang="ja-JP" altLang="en-US"/>
+          </a:p>
+        </p:txBody>
+      </p:sp>
+      <p:pic>
+        <p:nvPicPr>
+          <p:cNvPr id="4" name="Picture 6"/>
+          <p:cNvPicPr>
+            <a:picLocks noChangeAspect="1" noChangeArrowheads="1"/>
+          </p:cNvPicPr>
+          <p:nvPr/>
+        </p:nvPicPr>
+        <p:blipFill>
+          <a:blip r:embed="rId2">
+            <a:extLst>
+              <a:ext uri="{28A0092B-C50C-407E-A947-70E740481C1C}">
+                <a14:useLocalDpi xmlns:a14="http://schemas.microsoft.com/office/drawing/2010/main" val="0"/>
+              </a:ext>
+            </a:extLst>
+          </a:blip>
+          <a:srcRect/>
+          <a:stretch>
+            <a:fillRect/>
+          </a:stretch>
+        </p:blipFill>
+        <p:spPr bwMode="auto">
+          <a:xfrm>
+            <a:off x="8243888" y="5983288"/>
+            <a:ext cx="657225" cy="671512"/>
+          </a:xfrm>
+          <a:prstGeom prst="rect">
+            <a:avLst/>
+          </a:prstGeom>
+          <a:noFill/>
+          <a:ln>
+            <a:noFill/>
+          </a:ln>
+          <a:effectLst/>
+          <a:extLst>
+            <a:ext uri="{909E8E84-426E-40DD-AFC4-6F175D3DCCD1}">
+              <a14:hiddenFill xmlns:a14="http://schemas.microsoft.com/office/drawing/2010/main">
+                <a:solidFill>
+                  <a:schemeClr val="accent1"/>
+                </a:solidFill>
+              </a14:hiddenFill>
+            </a:ext>
+            <a:ext uri="{91240B29-F687-4F45-9708-019B960494DF}">
+              <a14:hiddenLine xmlns:a14="http://schemas.microsoft.com/office/drawing/2010/main" w="9525">
+                <a:solidFill>
+                  <a:schemeClr val="tx1"/>
+                </a:solidFill>
+                <a:miter lim="800000"/>
+                <a:headEnd/>
+                <a:tailEnd/>
+              </a14:hiddenLine>
+            </a:ext>
+            <a:ext uri="{AF507438-7753-43E0-B8FC-AC1667EBCBE1}">
+              <a14:hiddenEffects xmlns:a14="http://schemas.microsoft.com/office/drawing/2010/main">
+                <a:effectLst>
+                  <a:outerShdw dist="35921" dir="2700000" algn="ctr" rotWithShape="0">
+                    <a:schemeClr val="bg2"/>
+                  </a:outerShdw>
+                </a:effectLst>
+              </a14:hiddenEffects>
+            </a:ext>
+          </a:extLst>
+        </p:spPr>
+      </p:pic>
+      <p:sp>
+        <p:nvSpPr>
+          <p:cNvPr id="5" name="Text Box 7"/>
+          <p:cNvSpPr txBox="1">
+            <a:spLocks noChangeArrowheads="1"/>
+          </p:cNvSpPr>
+          <p:nvPr/>
+        </p:nvSpPr>
+        <p:spPr bwMode="auto">
+          <a:xfrm>
+            <a:off x="5292725" y="6378575"/>
+            <a:ext cx="2951163" cy="277813"/>
+          </a:xfrm>
+          <a:prstGeom prst="rect">
+            <a:avLst/>
+          </a:prstGeom>
+          <a:noFill/>
+          <a:ln>
+            <a:noFill/>
+          </a:ln>
+          <a:effectLst/>
+          <a:extLst>
+            <a:ext uri="{909E8E84-426E-40DD-AFC4-6F175D3DCCD1}">
+              <a14:hiddenFill xmlns:a14="http://schemas.microsoft.com/office/drawing/2010/main">
+                <a:solidFill>
+                  <a:schemeClr val="accent1"/>
+                </a:solidFill>
+              </a14:hiddenFill>
+            </a:ext>
+            <a:ext uri="{91240B29-F687-4F45-9708-019B960494DF}">
+              <a14:hiddenLine xmlns:a14="http://schemas.microsoft.com/office/drawing/2010/main" w="9525">
+                <a:solidFill>
+                  <a:schemeClr val="tx1"/>
+                </a:solidFill>
+                <a:miter lim="800000"/>
+                <a:headEnd/>
+                <a:tailEnd/>
+              </a14:hiddenLine>
+            </a:ext>
+            <a:ext uri="{AF507438-7753-43E0-B8FC-AC1667EBCBE1}">
+              <a14:hiddenEffects xmlns:a14="http://schemas.microsoft.com/office/drawing/2010/main">
+                <a:effectLst>
+                  <a:outerShdw dist="35921" dir="2700000" algn="ctr" rotWithShape="0">
+                    <a:schemeClr val="bg2"/>
+                  </a:outerShdw>
+                </a:effectLst>
+              </a14:hiddenEffects>
+            </a:ext>
+          </a:extLst>
+        </p:spPr>
+        <p:txBody>
+          <a:bodyPr>
+            <a:spAutoFit/>
+          </a:bodyPr>
+          <a:lstStyle>
+            <a:lvl1pPr eaLnBrk="0" hangingPunct="0">
+              <a:defRPr kumimoji="1" sz="2400">
+                <a:solidFill>
+                  <a:schemeClr val="tx1"/>
+                </a:solidFill>
+                <a:latin typeface="Times New Roman" pitchFamily="18" charset="0"/>
+                <a:ea typeface="ＭＳ Ｐゴシック" pitchFamily="50" charset="-128"/>
+              </a:defRPr>
+            </a:lvl1pPr>
+            <a:lvl2pPr marL="742950" indent="-285750" eaLnBrk="0" hangingPunct="0">
+              <a:defRPr kumimoji="1" sz="2400">
+                <a:solidFill>
+                  <a:schemeClr val="tx1"/>
+                </a:solidFill>
+                <a:latin typeface="Times New Roman" pitchFamily="18" charset="0"/>
+                <a:ea typeface="ＭＳ Ｐゴシック" pitchFamily="50" charset="-128"/>
+              </a:defRPr>
+            </a:lvl2pPr>
+            <a:lvl3pPr marL="1143000" indent="-228600" eaLnBrk="0" hangingPunct="0">
+              <a:defRPr kumimoji="1" sz="2400">
+                <a:solidFill>
+                  <a:schemeClr val="tx1"/>
+                </a:solidFill>
+                <a:latin typeface="Times New Roman" pitchFamily="18" charset="0"/>
+                <a:ea typeface="ＭＳ Ｐゴシック" pitchFamily="50" charset="-128"/>
+              </a:defRPr>
+            </a:lvl3pPr>
+            <a:lvl4pPr marL="1600200" indent="-228600" eaLnBrk="0" hangingPunct="0">
+              <a:defRPr kumimoji="1" sz="2400">
+                <a:solidFill>
+                  <a:schemeClr val="tx1"/>
+                </a:solidFill>
+                <a:latin typeface="Times New Roman" pitchFamily="18" charset="0"/>
+                <a:ea typeface="ＭＳ Ｐゴシック" pitchFamily="50" charset="-128"/>
+              </a:defRPr>
+            </a:lvl4pPr>
+            <a:lvl5pPr marL="2057400" indent="-228600" eaLnBrk="0" hangingPunct="0">
+              <a:defRPr kumimoji="1" sz="2400">
+                <a:solidFill>
+                  <a:schemeClr val="tx1"/>
+                </a:solidFill>
+                <a:latin typeface="Times New Roman" pitchFamily="18" charset="0"/>
+                <a:ea typeface="ＭＳ Ｐゴシック" pitchFamily="50" charset="-128"/>
+              </a:defRPr>
+            </a:lvl5pPr>
+            <a:lvl6pPr marL="2514600" indent="-228600" eaLnBrk="0" fontAlgn="base" hangingPunct="0">
+              <a:spcBef>
+                <a:spcPct val="0"/>
+              </a:spcBef>
+              <a:spcAft>
+                <a:spcPct val="0"/>
+              </a:spcAft>
+              <a:defRPr kumimoji="1" sz="2400">
+                <a:solidFill>
+                  <a:schemeClr val="tx1"/>
+                </a:solidFill>
+                <a:latin typeface="Times New Roman" pitchFamily="18" charset="0"/>
+                <a:ea typeface="ＭＳ Ｐゴシック" pitchFamily="50" charset="-128"/>
+              </a:defRPr>
+            </a:lvl6pPr>
+            <a:lvl7pPr marL="2971800" indent="-228600" eaLnBrk="0" fontAlgn="base" hangingPunct="0">
+              <a:spcBef>
+                <a:spcPct val="0"/>
+              </a:spcBef>
+              <a:spcAft>
+                <a:spcPct val="0"/>
+              </a:spcAft>
+              <a:defRPr kumimoji="1" sz="2400">
+                <a:solidFill>
+                  <a:schemeClr val="tx1"/>
+                </a:solidFill>
+                <a:latin typeface="Times New Roman" pitchFamily="18" charset="0"/>
+                <a:ea typeface="ＭＳ Ｐゴシック" pitchFamily="50" charset="-128"/>
+              </a:defRPr>
+            </a:lvl7pPr>
+            <a:lvl8pPr marL="3429000" indent="-228600" eaLnBrk="0" fontAlgn="base" hangingPunct="0">
+              <a:spcBef>
+                <a:spcPct val="0"/>
+              </a:spcBef>
+              <a:spcAft>
+                <a:spcPct val="0"/>
+              </a:spcAft>
+              <a:defRPr kumimoji="1" sz="2400">
+                <a:solidFill>
+                  <a:schemeClr val="tx1"/>
+                </a:solidFill>
+                <a:latin typeface="Times New Roman" pitchFamily="18" charset="0"/>
+                <a:ea typeface="ＭＳ Ｐゴシック" pitchFamily="50" charset="-128"/>
+              </a:defRPr>
+            </a:lvl8pPr>
+            <a:lvl9pPr marL="3886200" indent="-228600" eaLnBrk="0" fontAlgn="base" hangingPunct="0">
+              <a:spcBef>
+                <a:spcPct val="0"/>
+              </a:spcBef>
+              <a:spcAft>
+                <a:spcPct val="0"/>
+              </a:spcAft>
+              <a:defRPr kumimoji="1" sz="2400">
+                <a:solidFill>
+                  <a:schemeClr val="tx1"/>
+                </a:solidFill>
+                <a:latin typeface="Times New Roman" pitchFamily="18" charset="0"/>
+                <a:ea typeface="ＭＳ Ｐゴシック" pitchFamily="50" charset="-128"/>
+              </a:defRPr>
+            </a:lvl9pPr>
+          </a:lstStyle>
+          <a:p>
+            <a:pPr eaLnBrk="1" hangingPunct="1">
+              <a:spcBef>
+                <a:spcPct val="50000"/>
+              </a:spcBef>
+            </a:pPr>
+            <a:r>
+              <a:rPr lang="en-US" altLang="ja-JP" sz="1200" dirty="0">
+                <a:solidFill>
+                  <a:srgbClr val="000000"/>
+                </a:solidFill>
+                <a:latin typeface="Corbel" pitchFamily="34" charset="0"/>
+                <a:cs typeface="Miriam" pitchFamily="34" charset="-79"/>
+              </a:rPr>
+              <a:t>copyright© 2011/03.. by SAPPOROWORKS</a:t>
+            </a:r>
+          </a:p>
+        </p:txBody>
+      </p:sp>
+      <p:sp>
+        <p:nvSpPr>
+          <p:cNvPr id="6" name="タイトル 2"/>
+          <p:cNvSpPr>
+            <a:spLocks noGrp="1"/>
+          </p:cNvSpPr>
+          <p:nvPr>
+            <p:ph type="title"/>
+          </p:nvPr>
+        </p:nvSpPr>
+        <p:spPr>
+          <a:xfrm>
+            <a:off x="457200" y="338138"/>
+            <a:ext cx="8229600" cy="1252537"/>
+          </a:xfrm>
+        </p:spPr>
+        <p:txBody>
+          <a:bodyPr/>
+          <a:lstStyle/>
+          <a:p>
+            <a:r>
+              <a:rPr lang="ja-JP" altLang="en-US" sz="4000" dirty="0" smtClean="0"/>
+              <a:t>第１期</a:t>
+            </a:r>
+            <a:r>
+              <a:rPr lang="en-US" altLang="ja-JP" sz="4000" dirty="0" smtClean="0"/>
+              <a:t/>
+            </a:r>
+            <a:br>
+              <a:rPr lang="en-US" altLang="ja-JP" sz="4000" dirty="0" smtClean="0"/>
+            </a:br>
+            <a:r>
+              <a:rPr lang="en-US" altLang="ja-JP" sz="2000" dirty="0" smtClean="0"/>
+              <a:t>CCCC</a:t>
+            </a:r>
+            <a:endParaRPr lang="ja-JP" altLang="en-US" sz="2000" dirty="0" smtClean="0"/>
+          </a:p>
+        </p:txBody>
+      </p:sp>
+    </p:spTree>
+    <p:extLst>
+      <p:ext uri="{BB962C8B-B14F-4D97-AF65-F5344CB8AC3E}">
+        <p14:creationId xmlns:p14="http://schemas.microsoft.com/office/powerpoint/2010/main" val="112353658"/>
+      </p:ext>
+    </p:extLst>
+  </p:cSld>
+  <p:clrMapOvr>
+    <a:masterClrMapping/>
+  </p:clrMapOvr>
+  <p:timing>
+    <p:tnLst>
+      <p:par>
+        <p:cTn id="1" dur="indefinite" restart="never" nodeType="tmRoot"/>
+      </p:par>
+    </p:tnLst>
+  </p:timing>
+</p:sld>
+</file>
+
+<file path=ppt/slides/slide29.xml><?xml version="1.0" encoding="utf-8"?>
+<p:sld xmlns:a="http://schemas.openxmlformats.org/drawingml/2006/main" xmlns:r="http://schemas.openxmlformats.org/officeDocument/2006/relationships" xmlns:p="http://schemas.openxmlformats.org/presentationml/2006/main">
+  <p:cSld>
+    <p:spTree>
+      <p:nvGrpSpPr>
+        <p:cNvPr id="1" name=""/>
+        <p:cNvGrpSpPr/>
+        <p:nvPr/>
+      </p:nvGrpSpPr>
+      <p:grpSpPr>
+        <a:xfrm>
+          <a:off x="0" y="0"/>
+          <a:ext cx="0" cy="0"/>
+          <a:chOff x="0" y="0"/>
+          <a:chExt cx="0" cy="0"/>
+        </a:xfrm>
+      </p:grpSpPr>
+      <p:sp>
+        <p:nvSpPr>
+          <p:cNvPr id="2" name="コンテンツ プレースホルダー 1"/>
+          <p:cNvSpPr>
+            <a:spLocks noGrp="1"/>
+          </p:cNvSpPr>
+          <p:nvPr>
+            <p:ph idx="1"/>
+          </p:nvPr>
+        </p:nvSpPr>
+        <p:spPr/>
+        <p:txBody>
+          <a:bodyPr/>
+          <a:lstStyle/>
+          <a:p>
+            <a:endParaRPr kumimoji="1" lang="ja-JP" altLang="en-US"/>
+          </a:p>
+        </p:txBody>
+      </p:sp>
+      <p:pic>
+        <p:nvPicPr>
+          <p:cNvPr id="4" name="Picture 6"/>
+          <p:cNvPicPr>
+            <a:picLocks noChangeAspect="1" noChangeArrowheads="1"/>
+          </p:cNvPicPr>
+          <p:nvPr/>
+        </p:nvPicPr>
+        <p:blipFill>
+          <a:blip r:embed="rId2">
+            <a:extLst>
+              <a:ext uri="{28A0092B-C50C-407E-A947-70E740481C1C}">
+                <a14:useLocalDpi xmlns:a14="http://schemas.microsoft.com/office/drawing/2010/main" val="0"/>
+              </a:ext>
+            </a:extLst>
+          </a:blip>
+          <a:srcRect/>
+          <a:stretch>
+            <a:fillRect/>
+          </a:stretch>
+        </p:blipFill>
+        <p:spPr bwMode="auto">
+          <a:xfrm>
+            <a:off x="8243888" y="5983288"/>
+            <a:ext cx="657225" cy="671512"/>
+          </a:xfrm>
+          <a:prstGeom prst="rect">
+            <a:avLst/>
+          </a:prstGeom>
+          <a:noFill/>
+          <a:ln>
+            <a:noFill/>
+          </a:ln>
+          <a:effectLst/>
+          <a:extLst>
+            <a:ext uri="{909E8E84-426E-40DD-AFC4-6F175D3DCCD1}">
+              <a14:hiddenFill xmlns:a14="http://schemas.microsoft.com/office/drawing/2010/main">
+                <a:solidFill>
+                  <a:schemeClr val="accent1"/>
+                </a:solidFill>
+              </a14:hiddenFill>
+            </a:ext>
+            <a:ext uri="{91240B29-F687-4F45-9708-019B960494DF}">
+              <a14:hiddenLine xmlns:a14="http://schemas.microsoft.com/office/drawing/2010/main" w="9525">
+                <a:solidFill>
+                  <a:schemeClr val="tx1"/>
+                </a:solidFill>
+                <a:miter lim="800000"/>
+                <a:headEnd/>
+                <a:tailEnd/>
+              </a14:hiddenLine>
+            </a:ext>
+            <a:ext uri="{AF507438-7753-43E0-B8FC-AC1667EBCBE1}">
+              <a14:hiddenEffects xmlns:a14="http://schemas.microsoft.com/office/drawing/2010/main">
+                <a:effectLst>
+                  <a:outerShdw dist="35921" dir="2700000" algn="ctr" rotWithShape="0">
+                    <a:schemeClr val="bg2"/>
+                  </a:outerShdw>
+                </a:effectLst>
+              </a14:hiddenEffects>
+            </a:ext>
+          </a:extLst>
+        </p:spPr>
+      </p:pic>
+      <p:sp>
+        <p:nvSpPr>
+          <p:cNvPr id="5" name="Text Box 7"/>
+          <p:cNvSpPr txBox="1">
+            <a:spLocks noChangeArrowheads="1"/>
+          </p:cNvSpPr>
+          <p:nvPr/>
+        </p:nvSpPr>
+        <p:spPr bwMode="auto">
+          <a:xfrm>
+            <a:off x="5292725" y="6378575"/>
+            <a:ext cx="2951163" cy="277813"/>
+          </a:xfrm>
+          <a:prstGeom prst="rect">
+            <a:avLst/>
+          </a:prstGeom>
+          <a:noFill/>
+          <a:ln>
+            <a:noFill/>
+          </a:ln>
+          <a:effectLst/>
+          <a:extLst>
+            <a:ext uri="{909E8E84-426E-40DD-AFC4-6F175D3DCCD1}">
+              <a14:hiddenFill xmlns:a14="http://schemas.microsoft.com/office/drawing/2010/main">
+                <a:solidFill>
+                  <a:schemeClr val="accent1"/>
+                </a:solidFill>
+              </a14:hiddenFill>
+            </a:ext>
+            <a:ext uri="{91240B29-F687-4F45-9708-019B960494DF}">
+              <a14:hiddenLine xmlns:a14="http://schemas.microsoft.com/office/drawing/2010/main" w="9525">
+                <a:solidFill>
+                  <a:schemeClr val="tx1"/>
+                </a:solidFill>
+                <a:miter lim="800000"/>
+                <a:headEnd/>
+                <a:tailEnd/>
+              </a14:hiddenLine>
+            </a:ext>
+            <a:ext uri="{AF507438-7753-43E0-B8FC-AC1667EBCBE1}">
+              <a14:hiddenEffects xmlns:a14="http://schemas.microsoft.com/office/drawing/2010/main">
+                <a:effectLst>
+                  <a:outerShdw dist="35921" dir="2700000" algn="ctr" rotWithShape="0">
+                    <a:schemeClr val="bg2"/>
+                  </a:outerShdw>
+                </a:effectLst>
+              </a14:hiddenEffects>
+            </a:ext>
+          </a:extLst>
+        </p:spPr>
+        <p:txBody>
+          <a:bodyPr>
+            <a:spAutoFit/>
+          </a:bodyPr>
+          <a:lstStyle>
+            <a:lvl1pPr eaLnBrk="0" hangingPunct="0">
+              <a:defRPr kumimoji="1" sz="2400">
+                <a:solidFill>
+                  <a:schemeClr val="tx1"/>
+                </a:solidFill>
+                <a:latin typeface="Times New Roman" pitchFamily="18" charset="0"/>
+                <a:ea typeface="ＭＳ Ｐゴシック" pitchFamily="50" charset="-128"/>
+              </a:defRPr>
+            </a:lvl1pPr>
+            <a:lvl2pPr marL="742950" indent="-285750" eaLnBrk="0" hangingPunct="0">
+              <a:defRPr kumimoji="1" sz="2400">
+                <a:solidFill>
+                  <a:schemeClr val="tx1"/>
+                </a:solidFill>
+                <a:latin typeface="Times New Roman" pitchFamily="18" charset="0"/>
+                <a:ea typeface="ＭＳ Ｐゴシック" pitchFamily="50" charset="-128"/>
+              </a:defRPr>
+            </a:lvl2pPr>
+            <a:lvl3pPr marL="1143000" indent="-228600" eaLnBrk="0" hangingPunct="0">
+              <a:defRPr kumimoji="1" sz="2400">
+                <a:solidFill>
+                  <a:schemeClr val="tx1"/>
+                </a:solidFill>
+                <a:latin typeface="Times New Roman" pitchFamily="18" charset="0"/>
+                <a:ea typeface="ＭＳ Ｐゴシック" pitchFamily="50" charset="-128"/>
+              </a:defRPr>
+            </a:lvl3pPr>
+            <a:lvl4pPr marL="1600200" indent="-228600" eaLnBrk="0" hangingPunct="0">
+              <a:defRPr kumimoji="1" sz="2400">
+                <a:solidFill>
+                  <a:schemeClr val="tx1"/>
+                </a:solidFill>
+                <a:latin typeface="Times New Roman" pitchFamily="18" charset="0"/>
+                <a:ea typeface="ＭＳ Ｐゴシック" pitchFamily="50" charset="-128"/>
+              </a:defRPr>
+            </a:lvl4pPr>
+            <a:lvl5pPr marL="2057400" indent="-228600" eaLnBrk="0" hangingPunct="0">
+              <a:defRPr kumimoji="1" sz="2400">
+                <a:solidFill>
+                  <a:schemeClr val="tx1"/>
+                </a:solidFill>
+                <a:latin typeface="Times New Roman" pitchFamily="18" charset="0"/>
+                <a:ea typeface="ＭＳ Ｐゴシック" pitchFamily="50" charset="-128"/>
+              </a:defRPr>
+            </a:lvl5pPr>
+            <a:lvl6pPr marL="2514600" indent="-228600" eaLnBrk="0" fontAlgn="base" hangingPunct="0">
+              <a:spcBef>
+                <a:spcPct val="0"/>
+              </a:spcBef>
+              <a:spcAft>
+                <a:spcPct val="0"/>
+              </a:spcAft>
+              <a:defRPr kumimoji="1" sz="2400">
+                <a:solidFill>
+                  <a:schemeClr val="tx1"/>
+                </a:solidFill>
+                <a:latin typeface="Times New Roman" pitchFamily="18" charset="0"/>
+                <a:ea typeface="ＭＳ Ｐゴシック" pitchFamily="50" charset="-128"/>
+              </a:defRPr>
+            </a:lvl6pPr>
+            <a:lvl7pPr marL="2971800" indent="-228600" eaLnBrk="0" fontAlgn="base" hangingPunct="0">
+              <a:spcBef>
+                <a:spcPct val="0"/>
+              </a:spcBef>
+              <a:spcAft>
+                <a:spcPct val="0"/>
+              </a:spcAft>
+              <a:defRPr kumimoji="1" sz="2400">
+                <a:solidFill>
+                  <a:schemeClr val="tx1"/>
+                </a:solidFill>
+                <a:latin typeface="Times New Roman" pitchFamily="18" charset="0"/>
+                <a:ea typeface="ＭＳ Ｐゴシック" pitchFamily="50" charset="-128"/>
+              </a:defRPr>
+            </a:lvl7pPr>
+            <a:lvl8pPr marL="3429000" indent="-228600" eaLnBrk="0" fontAlgn="base" hangingPunct="0">
+              <a:spcBef>
+                <a:spcPct val="0"/>
+              </a:spcBef>
+              <a:spcAft>
+                <a:spcPct val="0"/>
+              </a:spcAft>
+              <a:defRPr kumimoji="1" sz="2400">
+                <a:solidFill>
+                  <a:schemeClr val="tx1"/>
+                </a:solidFill>
+                <a:latin typeface="Times New Roman" pitchFamily="18" charset="0"/>
+                <a:ea typeface="ＭＳ Ｐゴシック" pitchFamily="50" charset="-128"/>
+              </a:defRPr>
+            </a:lvl8pPr>
+            <a:lvl9pPr marL="3886200" indent="-228600" eaLnBrk="0" fontAlgn="base" hangingPunct="0">
+              <a:spcBef>
+                <a:spcPct val="0"/>
+              </a:spcBef>
+              <a:spcAft>
+                <a:spcPct val="0"/>
+              </a:spcAft>
+              <a:defRPr kumimoji="1" sz="2400">
+                <a:solidFill>
+                  <a:schemeClr val="tx1"/>
+                </a:solidFill>
+                <a:latin typeface="Times New Roman" pitchFamily="18" charset="0"/>
+                <a:ea typeface="ＭＳ Ｐゴシック" pitchFamily="50" charset="-128"/>
+              </a:defRPr>
+            </a:lvl9pPr>
+          </a:lstStyle>
+          <a:p>
+            <a:pPr eaLnBrk="1" hangingPunct="1">
+              <a:spcBef>
+                <a:spcPct val="50000"/>
+              </a:spcBef>
+            </a:pPr>
+            <a:r>
+              <a:rPr lang="en-US" altLang="ja-JP" sz="1200" dirty="0">
+                <a:solidFill>
+                  <a:srgbClr val="000000"/>
+                </a:solidFill>
+                <a:latin typeface="Corbel" pitchFamily="34" charset="0"/>
+                <a:cs typeface="Miriam" pitchFamily="34" charset="-79"/>
+              </a:rPr>
+              <a:t>copyright© 2011/03.. by SAPPOROWORKS</a:t>
+            </a:r>
+          </a:p>
+        </p:txBody>
+      </p:sp>
+      <p:sp>
+        <p:nvSpPr>
+          <p:cNvPr id="6" name="タイトル 2"/>
+          <p:cNvSpPr>
+            <a:spLocks noGrp="1"/>
+          </p:cNvSpPr>
+          <p:nvPr>
+            <p:ph type="title"/>
+          </p:nvPr>
+        </p:nvSpPr>
+        <p:spPr>
+          <a:xfrm>
+            <a:off x="457200" y="338138"/>
+            <a:ext cx="8229600" cy="1252537"/>
+          </a:xfrm>
+        </p:spPr>
+        <p:txBody>
+          <a:bodyPr/>
+          <a:lstStyle/>
+          <a:p>
+            <a:r>
+              <a:rPr lang="ja-JP" altLang="en-US" sz="4000" dirty="0" smtClean="0"/>
+              <a:t>第１期</a:t>
+            </a:r>
+            <a:r>
+              <a:rPr lang="en-US" altLang="ja-JP" sz="4000" dirty="0" smtClean="0"/>
+              <a:t/>
+            </a:r>
+            <a:br>
+              <a:rPr lang="en-US" altLang="ja-JP" sz="4000" dirty="0" smtClean="0"/>
+            </a:br>
+            <a:r>
+              <a:rPr lang="en-US" altLang="ja-JP" sz="2000" dirty="0" smtClean="0"/>
+              <a:t>CCCC</a:t>
+            </a:r>
+            <a:endParaRPr lang="ja-JP" altLang="en-US" sz="2000" dirty="0" smtClean="0"/>
+          </a:p>
+        </p:txBody>
+      </p:sp>
+    </p:spTree>
+    <p:extLst>
+      <p:ext uri="{BB962C8B-B14F-4D97-AF65-F5344CB8AC3E}">
+        <p14:creationId xmlns:p14="http://schemas.microsoft.com/office/powerpoint/2010/main" val="112353658"/>
       </p:ext>
     </p:extLst>
   </p:cSld>
@@ -29627,6 +31329,782 @@
 </p:sld>
 </file>
 
+<file path=ppt/slides/slide30.xml><?xml version="1.0" encoding="utf-8"?>
+<p:sld xmlns:a="http://schemas.openxmlformats.org/drawingml/2006/main" xmlns:r="http://schemas.openxmlformats.org/officeDocument/2006/relationships" xmlns:p="http://schemas.openxmlformats.org/presentationml/2006/main">
+  <p:cSld>
+    <p:spTree>
+      <p:nvGrpSpPr>
+        <p:cNvPr id="1" name=""/>
+        <p:cNvGrpSpPr/>
+        <p:nvPr/>
+      </p:nvGrpSpPr>
+      <p:grpSpPr>
+        <a:xfrm>
+          <a:off x="0" y="0"/>
+          <a:ext cx="0" cy="0"/>
+          <a:chOff x="0" y="0"/>
+          <a:chExt cx="0" cy="0"/>
+        </a:xfrm>
+      </p:grpSpPr>
+      <p:sp>
+        <p:nvSpPr>
+          <p:cNvPr id="2" name="コンテンツ プレースホルダー 1"/>
+          <p:cNvSpPr>
+            <a:spLocks noGrp="1"/>
+          </p:cNvSpPr>
+          <p:nvPr>
+            <p:ph idx="1"/>
+          </p:nvPr>
+        </p:nvSpPr>
+        <p:spPr/>
+        <p:txBody>
+          <a:bodyPr/>
+          <a:lstStyle/>
+          <a:p>
+            <a:endParaRPr kumimoji="1" lang="ja-JP" altLang="en-US"/>
+          </a:p>
+        </p:txBody>
+      </p:sp>
+      <p:pic>
+        <p:nvPicPr>
+          <p:cNvPr id="4" name="Picture 6"/>
+          <p:cNvPicPr>
+            <a:picLocks noChangeAspect="1" noChangeArrowheads="1"/>
+          </p:cNvPicPr>
+          <p:nvPr/>
+        </p:nvPicPr>
+        <p:blipFill>
+          <a:blip r:embed="rId2">
+            <a:extLst>
+              <a:ext uri="{28A0092B-C50C-407E-A947-70E740481C1C}">
+                <a14:useLocalDpi xmlns:a14="http://schemas.microsoft.com/office/drawing/2010/main" val="0"/>
+              </a:ext>
+            </a:extLst>
+          </a:blip>
+          <a:srcRect/>
+          <a:stretch>
+            <a:fillRect/>
+          </a:stretch>
+        </p:blipFill>
+        <p:spPr bwMode="auto">
+          <a:xfrm>
+            <a:off x="8243888" y="5983288"/>
+            <a:ext cx="657225" cy="671512"/>
+          </a:xfrm>
+          <a:prstGeom prst="rect">
+            <a:avLst/>
+          </a:prstGeom>
+          <a:noFill/>
+          <a:ln>
+            <a:noFill/>
+          </a:ln>
+          <a:effectLst/>
+          <a:extLst>
+            <a:ext uri="{909E8E84-426E-40DD-AFC4-6F175D3DCCD1}">
+              <a14:hiddenFill xmlns:a14="http://schemas.microsoft.com/office/drawing/2010/main">
+                <a:solidFill>
+                  <a:schemeClr val="accent1"/>
+                </a:solidFill>
+              </a14:hiddenFill>
+            </a:ext>
+            <a:ext uri="{91240B29-F687-4F45-9708-019B960494DF}">
+              <a14:hiddenLine xmlns:a14="http://schemas.microsoft.com/office/drawing/2010/main" w="9525">
+                <a:solidFill>
+                  <a:schemeClr val="tx1"/>
+                </a:solidFill>
+                <a:miter lim="800000"/>
+                <a:headEnd/>
+                <a:tailEnd/>
+              </a14:hiddenLine>
+            </a:ext>
+            <a:ext uri="{AF507438-7753-43E0-B8FC-AC1667EBCBE1}">
+              <a14:hiddenEffects xmlns:a14="http://schemas.microsoft.com/office/drawing/2010/main">
+                <a:effectLst>
+                  <a:outerShdw dist="35921" dir="2700000" algn="ctr" rotWithShape="0">
+                    <a:schemeClr val="bg2"/>
+                  </a:outerShdw>
+                </a:effectLst>
+              </a14:hiddenEffects>
+            </a:ext>
+          </a:extLst>
+        </p:spPr>
+      </p:pic>
+      <p:sp>
+        <p:nvSpPr>
+          <p:cNvPr id="5" name="Text Box 7"/>
+          <p:cNvSpPr txBox="1">
+            <a:spLocks noChangeArrowheads="1"/>
+          </p:cNvSpPr>
+          <p:nvPr/>
+        </p:nvSpPr>
+        <p:spPr bwMode="auto">
+          <a:xfrm>
+            <a:off x="5292725" y="6378575"/>
+            <a:ext cx="2951163" cy="277813"/>
+          </a:xfrm>
+          <a:prstGeom prst="rect">
+            <a:avLst/>
+          </a:prstGeom>
+          <a:noFill/>
+          <a:ln>
+            <a:noFill/>
+          </a:ln>
+          <a:effectLst/>
+          <a:extLst>
+            <a:ext uri="{909E8E84-426E-40DD-AFC4-6F175D3DCCD1}">
+              <a14:hiddenFill xmlns:a14="http://schemas.microsoft.com/office/drawing/2010/main">
+                <a:solidFill>
+                  <a:schemeClr val="accent1"/>
+                </a:solidFill>
+              </a14:hiddenFill>
+            </a:ext>
+            <a:ext uri="{91240B29-F687-4F45-9708-019B960494DF}">
+              <a14:hiddenLine xmlns:a14="http://schemas.microsoft.com/office/drawing/2010/main" w="9525">
+                <a:solidFill>
+                  <a:schemeClr val="tx1"/>
+                </a:solidFill>
+                <a:miter lim="800000"/>
+                <a:headEnd/>
+                <a:tailEnd/>
+              </a14:hiddenLine>
+            </a:ext>
+            <a:ext uri="{AF507438-7753-43E0-B8FC-AC1667EBCBE1}">
+              <a14:hiddenEffects xmlns:a14="http://schemas.microsoft.com/office/drawing/2010/main">
+                <a:effectLst>
+                  <a:outerShdw dist="35921" dir="2700000" algn="ctr" rotWithShape="0">
+                    <a:schemeClr val="bg2"/>
+                  </a:outerShdw>
+                </a:effectLst>
+              </a14:hiddenEffects>
+            </a:ext>
+          </a:extLst>
+        </p:spPr>
+        <p:txBody>
+          <a:bodyPr>
+            <a:spAutoFit/>
+          </a:bodyPr>
+          <a:lstStyle>
+            <a:lvl1pPr eaLnBrk="0" hangingPunct="0">
+              <a:defRPr kumimoji="1" sz="2400">
+                <a:solidFill>
+                  <a:schemeClr val="tx1"/>
+                </a:solidFill>
+                <a:latin typeface="Times New Roman" pitchFamily="18" charset="0"/>
+                <a:ea typeface="ＭＳ Ｐゴシック" pitchFamily="50" charset="-128"/>
+              </a:defRPr>
+            </a:lvl1pPr>
+            <a:lvl2pPr marL="742950" indent="-285750" eaLnBrk="0" hangingPunct="0">
+              <a:defRPr kumimoji="1" sz="2400">
+                <a:solidFill>
+                  <a:schemeClr val="tx1"/>
+                </a:solidFill>
+                <a:latin typeface="Times New Roman" pitchFamily="18" charset="0"/>
+                <a:ea typeface="ＭＳ Ｐゴシック" pitchFamily="50" charset="-128"/>
+              </a:defRPr>
+            </a:lvl2pPr>
+            <a:lvl3pPr marL="1143000" indent="-228600" eaLnBrk="0" hangingPunct="0">
+              <a:defRPr kumimoji="1" sz="2400">
+                <a:solidFill>
+                  <a:schemeClr val="tx1"/>
+                </a:solidFill>
+                <a:latin typeface="Times New Roman" pitchFamily="18" charset="0"/>
+                <a:ea typeface="ＭＳ Ｐゴシック" pitchFamily="50" charset="-128"/>
+              </a:defRPr>
+            </a:lvl3pPr>
+            <a:lvl4pPr marL="1600200" indent="-228600" eaLnBrk="0" hangingPunct="0">
+              <a:defRPr kumimoji="1" sz="2400">
+                <a:solidFill>
+                  <a:schemeClr val="tx1"/>
+                </a:solidFill>
+                <a:latin typeface="Times New Roman" pitchFamily="18" charset="0"/>
+                <a:ea typeface="ＭＳ Ｐゴシック" pitchFamily="50" charset="-128"/>
+              </a:defRPr>
+            </a:lvl4pPr>
+            <a:lvl5pPr marL="2057400" indent="-228600" eaLnBrk="0" hangingPunct="0">
+              <a:defRPr kumimoji="1" sz="2400">
+                <a:solidFill>
+                  <a:schemeClr val="tx1"/>
+                </a:solidFill>
+                <a:latin typeface="Times New Roman" pitchFamily="18" charset="0"/>
+                <a:ea typeface="ＭＳ Ｐゴシック" pitchFamily="50" charset="-128"/>
+              </a:defRPr>
+            </a:lvl5pPr>
+            <a:lvl6pPr marL="2514600" indent="-228600" eaLnBrk="0" fontAlgn="base" hangingPunct="0">
+              <a:spcBef>
+                <a:spcPct val="0"/>
+              </a:spcBef>
+              <a:spcAft>
+                <a:spcPct val="0"/>
+              </a:spcAft>
+              <a:defRPr kumimoji="1" sz="2400">
+                <a:solidFill>
+                  <a:schemeClr val="tx1"/>
+                </a:solidFill>
+                <a:latin typeface="Times New Roman" pitchFamily="18" charset="0"/>
+                <a:ea typeface="ＭＳ Ｐゴシック" pitchFamily="50" charset="-128"/>
+              </a:defRPr>
+            </a:lvl6pPr>
+            <a:lvl7pPr marL="2971800" indent="-228600" eaLnBrk="0" fontAlgn="base" hangingPunct="0">
+              <a:spcBef>
+                <a:spcPct val="0"/>
+              </a:spcBef>
+              <a:spcAft>
+                <a:spcPct val="0"/>
+              </a:spcAft>
+              <a:defRPr kumimoji="1" sz="2400">
+                <a:solidFill>
+                  <a:schemeClr val="tx1"/>
+                </a:solidFill>
+                <a:latin typeface="Times New Roman" pitchFamily="18" charset="0"/>
+                <a:ea typeface="ＭＳ Ｐゴシック" pitchFamily="50" charset="-128"/>
+              </a:defRPr>
+            </a:lvl7pPr>
+            <a:lvl8pPr marL="3429000" indent="-228600" eaLnBrk="0" fontAlgn="base" hangingPunct="0">
+              <a:spcBef>
+                <a:spcPct val="0"/>
+              </a:spcBef>
+              <a:spcAft>
+                <a:spcPct val="0"/>
+              </a:spcAft>
+              <a:defRPr kumimoji="1" sz="2400">
+                <a:solidFill>
+                  <a:schemeClr val="tx1"/>
+                </a:solidFill>
+                <a:latin typeface="Times New Roman" pitchFamily="18" charset="0"/>
+                <a:ea typeface="ＭＳ Ｐゴシック" pitchFamily="50" charset="-128"/>
+              </a:defRPr>
+            </a:lvl8pPr>
+            <a:lvl9pPr marL="3886200" indent="-228600" eaLnBrk="0" fontAlgn="base" hangingPunct="0">
+              <a:spcBef>
+                <a:spcPct val="0"/>
+              </a:spcBef>
+              <a:spcAft>
+                <a:spcPct val="0"/>
+              </a:spcAft>
+              <a:defRPr kumimoji="1" sz="2400">
+                <a:solidFill>
+                  <a:schemeClr val="tx1"/>
+                </a:solidFill>
+                <a:latin typeface="Times New Roman" pitchFamily="18" charset="0"/>
+                <a:ea typeface="ＭＳ Ｐゴシック" pitchFamily="50" charset="-128"/>
+              </a:defRPr>
+            </a:lvl9pPr>
+          </a:lstStyle>
+          <a:p>
+            <a:pPr eaLnBrk="1" hangingPunct="1">
+              <a:spcBef>
+                <a:spcPct val="50000"/>
+              </a:spcBef>
+            </a:pPr>
+            <a:r>
+              <a:rPr lang="en-US" altLang="ja-JP" sz="1200" dirty="0">
+                <a:solidFill>
+                  <a:srgbClr val="000000"/>
+                </a:solidFill>
+                <a:latin typeface="Corbel" pitchFamily="34" charset="0"/>
+                <a:cs typeface="Miriam" pitchFamily="34" charset="-79"/>
+              </a:rPr>
+              <a:t>copyright© 2011/03.. by SAPPOROWORKS</a:t>
+            </a:r>
+          </a:p>
+        </p:txBody>
+      </p:sp>
+      <p:sp>
+        <p:nvSpPr>
+          <p:cNvPr id="6" name="タイトル 2"/>
+          <p:cNvSpPr>
+            <a:spLocks noGrp="1"/>
+          </p:cNvSpPr>
+          <p:nvPr>
+            <p:ph type="title"/>
+          </p:nvPr>
+        </p:nvSpPr>
+        <p:spPr>
+          <a:xfrm>
+            <a:off x="457200" y="338138"/>
+            <a:ext cx="8229600" cy="1252537"/>
+          </a:xfrm>
+        </p:spPr>
+        <p:txBody>
+          <a:bodyPr/>
+          <a:lstStyle/>
+          <a:p>
+            <a:r>
+              <a:rPr lang="ja-JP" altLang="en-US" sz="4000" dirty="0" smtClean="0"/>
+              <a:t>第１期</a:t>
+            </a:r>
+            <a:r>
+              <a:rPr lang="en-US" altLang="ja-JP" sz="4000" dirty="0" smtClean="0"/>
+              <a:t/>
+            </a:r>
+            <a:br>
+              <a:rPr lang="en-US" altLang="ja-JP" sz="4000" dirty="0" smtClean="0"/>
+            </a:br>
+            <a:r>
+              <a:rPr lang="en-US" altLang="ja-JP" sz="2000" dirty="0" smtClean="0"/>
+              <a:t>CCCC</a:t>
+            </a:r>
+            <a:endParaRPr lang="ja-JP" altLang="en-US" sz="2000" dirty="0" smtClean="0"/>
+          </a:p>
+        </p:txBody>
+      </p:sp>
+    </p:spTree>
+    <p:extLst>
+      <p:ext uri="{BB962C8B-B14F-4D97-AF65-F5344CB8AC3E}">
+        <p14:creationId xmlns:p14="http://schemas.microsoft.com/office/powerpoint/2010/main" val="112353658"/>
+      </p:ext>
+    </p:extLst>
+  </p:cSld>
+  <p:clrMapOvr>
+    <a:masterClrMapping/>
+  </p:clrMapOvr>
+  <p:timing>
+    <p:tnLst>
+      <p:par>
+        <p:cTn id="1" dur="indefinite" restart="never" nodeType="tmRoot"/>
+      </p:par>
+    </p:tnLst>
+  </p:timing>
+</p:sld>
+</file>
+
+<file path=ppt/slides/slide31.xml><?xml version="1.0" encoding="utf-8"?>
+<p:sld xmlns:a="http://schemas.openxmlformats.org/drawingml/2006/main" xmlns:r="http://schemas.openxmlformats.org/officeDocument/2006/relationships" xmlns:p="http://schemas.openxmlformats.org/presentationml/2006/main">
+  <p:cSld>
+    <p:spTree>
+      <p:nvGrpSpPr>
+        <p:cNvPr id="1" name=""/>
+        <p:cNvGrpSpPr/>
+        <p:nvPr/>
+      </p:nvGrpSpPr>
+      <p:grpSpPr>
+        <a:xfrm>
+          <a:off x="0" y="0"/>
+          <a:ext cx="0" cy="0"/>
+          <a:chOff x="0" y="0"/>
+          <a:chExt cx="0" cy="0"/>
+        </a:xfrm>
+      </p:grpSpPr>
+      <p:sp>
+        <p:nvSpPr>
+          <p:cNvPr id="5123" name="Rectangle 3"/>
+          <p:cNvSpPr>
+            <a:spLocks noGrp="1" noChangeArrowheads="1"/>
+          </p:cNvSpPr>
+          <p:nvPr>
+            <p:ph type="subTitle" idx="1"/>
+          </p:nvPr>
+        </p:nvSpPr>
+        <p:spPr>
+          <a:xfrm>
+            <a:off x="539552" y="1556792"/>
+            <a:ext cx="7920880" cy="4137943"/>
+          </a:xfrm>
+        </p:spPr>
+        <p:txBody>
+          <a:bodyPr rtlCol="0">
+            <a:normAutofit/>
+          </a:bodyPr>
+          <a:lstStyle/>
+          <a:p>
+            <a:pPr fontAlgn="auto">
+              <a:spcAft>
+                <a:spcPts val="0"/>
+              </a:spcAft>
+              <a:buFont typeface="Symbol" pitchFamily="18" charset="2"/>
+              <a:buNone/>
+              <a:defRPr/>
+            </a:pPr>
+            <a:r>
+              <a:rPr lang="ja-JP" altLang="en-US" sz="2400" dirty="0" smtClean="0"/>
+              <a:t>サンプルプログラムとスライドを下記に置きました</a:t>
+            </a:r>
+            <a:endParaRPr lang="en-US" altLang="ja-JP" sz="2400" dirty="0" smtClean="0"/>
+          </a:p>
+          <a:p>
+            <a:pPr fontAlgn="auto">
+              <a:spcAft>
+                <a:spcPts val="0"/>
+              </a:spcAft>
+              <a:buFont typeface="Symbol" pitchFamily="18" charset="2"/>
+              <a:buNone/>
+              <a:defRPr/>
+            </a:pPr>
+            <a:r>
+              <a:rPr lang="ja-JP" altLang="en-US" sz="2400" dirty="0" smtClean="0"/>
+              <a:t>興味を持っていただけた場合は、ぜひご利用ください。</a:t>
+            </a:r>
+            <a:endParaRPr lang="en-US" altLang="ja-JP" sz="2400" dirty="0" smtClean="0"/>
+          </a:p>
+          <a:p>
+            <a:pPr fontAlgn="auto">
+              <a:spcAft>
+                <a:spcPts val="0"/>
+              </a:spcAft>
+              <a:buFont typeface="Symbol" pitchFamily="18" charset="2"/>
+              <a:buNone/>
+              <a:defRPr/>
+            </a:pPr>
+            <a:endParaRPr lang="en-US" altLang="ja-JP" sz="2400" dirty="0"/>
+          </a:p>
+          <a:p>
+            <a:pPr fontAlgn="auto">
+              <a:spcAft>
+                <a:spcPts val="0"/>
+              </a:spcAft>
+              <a:defRPr/>
+            </a:pPr>
+            <a:r>
+              <a:rPr lang="en-US" altLang="ja-JP" sz="2400" dirty="0">
+                <a:solidFill>
+                  <a:schemeClr val="tx1"/>
+                </a:solidFill>
+                <a:latin typeface="+mn-ea"/>
+                <a:hlinkClick r:id="rId3"/>
+              </a:rPr>
+              <a:t>http</a:t>
+            </a:r>
+            <a:r>
+              <a:rPr lang="en-US" altLang="ja-JP" sz="2400">
+                <a:solidFill>
+                  <a:schemeClr val="tx1"/>
+                </a:solidFill>
+                <a:latin typeface="+mn-ea"/>
+                <a:hlinkClick r:id="rId3"/>
+              </a:rPr>
+              <a:t>://</a:t>
+            </a:r>
+            <a:r>
+              <a:rPr lang="en-US" altLang="ja-JP" sz="2400" smtClean="0">
+                <a:solidFill>
+                  <a:schemeClr val="tx1"/>
+                </a:solidFill>
+                <a:latin typeface="+mn-ea"/>
+                <a:hlinkClick r:id="rId3"/>
+              </a:rPr>
+              <a:t>www.sapporoworks.ne.jp/session/2011.05.20/</a:t>
+            </a:r>
+            <a:endParaRPr lang="en-US" altLang="ja-JP" sz="2400" dirty="0" smtClean="0">
+              <a:solidFill>
+                <a:schemeClr val="tx1"/>
+              </a:solidFill>
+              <a:latin typeface="+mn-ea"/>
+            </a:endParaRPr>
+          </a:p>
+          <a:p>
+            <a:pPr fontAlgn="auto">
+              <a:spcAft>
+                <a:spcPts val="0"/>
+              </a:spcAft>
+              <a:buFont typeface="Symbol" pitchFamily="18" charset="2"/>
+              <a:buNone/>
+              <a:defRPr/>
+            </a:pPr>
+            <a:endParaRPr lang="en-US" altLang="ja-JP" dirty="0" smtClean="0"/>
+          </a:p>
+          <a:p>
+            <a:pPr fontAlgn="auto">
+              <a:spcAft>
+                <a:spcPts val="0"/>
+              </a:spcAft>
+              <a:buFont typeface="Symbol" pitchFamily="18" charset="2"/>
+              <a:buNone/>
+              <a:defRPr/>
+            </a:pPr>
+            <a:endParaRPr lang="en-US" altLang="ja-JP" dirty="0"/>
+          </a:p>
+          <a:p>
+            <a:pPr fontAlgn="auto">
+              <a:spcAft>
+                <a:spcPts val="0"/>
+              </a:spcAft>
+              <a:buFont typeface="Symbol" pitchFamily="18" charset="2"/>
+              <a:buNone/>
+              <a:defRPr/>
+            </a:pPr>
+            <a:endParaRPr lang="en-US" altLang="ja-JP" dirty="0" smtClean="0"/>
+          </a:p>
+          <a:p>
+            <a:pPr fontAlgn="auto">
+              <a:spcAft>
+                <a:spcPts val="0"/>
+              </a:spcAft>
+              <a:buFont typeface="Symbol" pitchFamily="18" charset="2"/>
+              <a:buNone/>
+              <a:defRPr/>
+            </a:pPr>
+            <a:r>
+              <a:rPr lang="en-US" altLang="ja-JP" b="1" dirty="0" smtClean="0"/>
+              <a:t>@furuya02</a:t>
+            </a:r>
+            <a:endParaRPr lang="ja-JP" altLang="en-US" b="1" dirty="0"/>
+          </a:p>
+        </p:txBody>
+      </p:sp>
+      <p:pic>
+        <p:nvPicPr>
+          <p:cNvPr id="8196" name="Picture 6"/>
+          <p:cNvPicPr>
+            <a:picLocks noChangeAspect="1" noChangeArrowheads="1"/>
+          </p:cNvPicPr>
+          <p:nvPr/>
+        </p:nvPicPr>
+        <p:blipFill>
+          <a:blip r:embed="rId4">
+            <a:extLst>
+              <a:ext uri="{28A0092B-C50C-407E-A947-70E740481C1C}">
+                <a14:useLocalDpi xmlns:a14="http://schemas.microsoft.com/office/drawing/2010/main" val="0"/>
+              </a:ext>
+            </a:extLst>
+          </a:blip>
+          <a:srcRect/>
+          <a:stretch>
+            <a:fillRect/>
+          </a:stretch>
+        </p:blipFill>
+        <p:spPr bwMode="auto">
+          <a:xfrm>
+            <a:off x="8243888" y="5983288"/>
+            <a:ext cx="657225" cy="671512"/>
+          </a:xfrm>
+          <a:prstGeom prst="rect">
+            <a:avLst/>
+          </a:prstGeom>
+          <a:noFill/>
+          <a:ln>
+            <a:noFill/>
+          </a:ln>
+          <a:effectLst/>
+          <a:extLst>
+            <a:ext uri="{909E8E84-426E-40DD-AFC4-6F175D3DCCD1}">
+              <a14:hiddenFill xmlns:a14="http://schemas.microsoft.com/office/drawing/2010/main">
+                <a:solidFill>
+                  <a:schemeClr val="accent1"/>
+                </a:solidFill>
+              </a14:hiddenFill>
+            </a:ext>
+            <a:ext uri="{91240B29-F687-4F45-9708-019B960494DF}">
+              <a14:hiddenLine xmlns:a14="http://schemas.microsoft.com/office/drawing/2010/main" w="9525">
+                <a:solidFill>
+                  <a:schemeClr val="tx1"/>
+                </a:solidFill>
+                <a:miter lim="800000"/>
+                <a:headEnd/>
+                <a:tailEnd/>
+              </a14:hiddenLine>
+            </a:ext>
+            <a:ext uri="{AF507438-7753-43E0-B8FC-AC1667EBCBE1}">
+              <a14:hiddenEffects xmlns:a14="http://schemas.microsoft.com/office/drawing/2010/main">
+                <a:effectLst>
+                  <a:outerShdw dist="35921" dir="2700000" algn="ctr" rotWithShape="0">
+                    <a:schemeClr val="bg2"/>
+                  </a:outerShdw>
+                </a:effectLst>
+              </a14:hiddenEffects>
+            </a:ext>
+          </a:extLst>
+        </p:spPr>
+      </p:pic>
+      <p:sp>
+        <p:nvSpPr>
+          <p:cNvPr id="8197" name="Text Box 7"/>
+          <p:cNvSpPr txBox="1">
+            <a:spLocks noChangeArrowheads="1"/>
+          </p:cNvSpPr>
+          <p:nvPr/>
+        </p:nvSpPr>
+        <p:spPr bwMode="auto">
+          <a:xfrm>
+            <a:off x="5292725" y="6378575"/>
+            <a:ext cx="2951163" cy="277813"/>
+          </a:xfrm>
+          <a:prstGeom prst="rect">
+            <a:avLst/>
+          </a:prstGeom>
+          <a:noFill/>
+          <a:ln>
+            <a:noFill/>
+          </a:ln>
+          <a:effectLst/>
+          <a:extLst>
+            <a:ext uri="{909E8E84-426E-40DD-AFC4-6F175D3DCCD1}">
+              <a14:hiddenFill xmlns:a14="http://schemas.microsoft.com/office/drawing/2010/main">
+                <a:solidFill>
+                  <a:schemeClr val="accent1"/>
+                </a:solidFill>
+              </a14:hiddenFill>
+            </a:ext>
+            <a:ext uri="{91240B29-F687-4F45-9708-019B960494DF}">
+              <a14:hiddenLine xmlns:a14="http://schemas.microsoft.com/office/drawing/2010/main" w="9525">
+                <a:solidFill>
+                  <a:schemeClr val="tx1"/>
+                </a:solidFill>
+                <a:miter lim="800000"/>
+                <a:headEnd/>
+                <a:tailEnd/>
+              </a14:hiddenLine>
+            </a:ext>
+            <a:ext uri="{AF507438-7753-43E0-B8FC-AC1667EBCBE1}">
+              <a14:hiddenEffects xmlns:a14="http://schemas.microsoft.com/office/drawing/2010/main">
+                <a:effectLst>
+                  <a:outerShdw dist="35921" dir="2700000" algn="ctr" rotWithShape="0">
+                    <a:schemeClr val="bg2"/>
+                  </a:outerShdw>
+                </a:effectLst>
+              </a14:hiddenEffects>
+            </a:ext>
+          </a:extLst>
+        </p:spPr>
+        <p:txBody>
+          <a:bodyPr>
+            <a:spAutoFit/>
+          </a:bodyPr>
+          <a:lstStyle>
+            <a:lvl1pPr eaLnBrk="0" hangingPunct="0">
+              <a:defRPr kumimoji="1" sz="2400">
+                <a:solidFill>
+                  <a:schemeClr val="tx1"/>
+                </a:solidFill>
+                <a:latin typeface="Times New Roman" pitchFamily="18" charset="0"/>
+                <a:ea typeface="ＭＳ Ｐゴシック" pitchFamily="50" charset="-128"/>
+              </a:defRPr>
+            </a:lvl1pPr>
+            <a:lvl2pPr marL="742950" indent="-285750" eaLnBrk="0" hangingPunct="0">
+              <a:defRPr kumimoji="1" sz="2400">
+                <a:solidFill>
+                  <a:schemeClr val="tx1"/>
+                </a:solidFill>
+                <a:latin typeface="Times New Roman" pitchFamily="18" charset="0"/>
+                <a:ea typeface="ＭＳ Ｐゴシック" pitchFamily="50" charset="-128"/>
+              </a:defRPr>
+            </a:lvl2pPr>
+            <a:lvl3pPr marL="1143000" indent="-228600" eaLnBrk="0" hangingPunct="0">
+              <a:defRPr kumimoji="1" sz="2400">
+                <a:solidFill>
+                  <a:schemeClr val="tx1"/>
+                </a:solidFill>
+                <a:latin typeface="Times New Roman" pitchFamily="18" charset="0"/>
+                <a:ea typeface="ＭＳ Ｐゴシック" pitchFamily="50" charset="-128"/>
+              </a:defRPr>
+            </a:lvl3pPr>
+            <a:lvl4pPr marL="1600200" indent="-228600" eaLnBrk="0" hangingPunct="0">
+              <a:defRPr kumimoji="1" sz="2400">
+                <a:solidFill>
+                  <a:schemeClr val="tx1"/>
+                </a:solidFill>
+                <a:latin typeface="Times New Roman" pitchFamily="18" charset="0"/>
+                <a:ea typeface="ＭＳ Ｐゴシック" pitchFamily="50" charset="-128"/>
+              </a:defRPr>
+            </a:lvl4pPr>
+            <a:lvl5pPr marL="2057400" indent="-228600" eaLnBrk="0" hangingPunct="0">
+              <a:defRPr kumimoji="1" sz="2400">
+                <a:solidFill>
+                  <a:schemeClr val="tx1"/>
+                </a:solidFill>
+                <a:latin typeface="Times New Roman" pitchFamily="18" charset="0"/>
+                <a:ea typeface="ＭＳ Ｐゴシック" pitchFamily="50" charset="-128"/>
+              </a:defRPr>
+            </a:lvl5pPr>
+            <a:lvl6pPr marL="2514600" indent="-228600" eaLnBrk="0" fontAlgn="base" hangingPunct="0">
+              <a:spcBef>
+                <a:spcPct val="0"/>
+              </a:spcBef>
+              <a:spcAft>
+                <a:spcPct val="0"/>
+              </a:spcAft>
+              <a:defRPr kumimoji="1" sz="2400">
+                <a:solidFill>
+                  <a:schemeClr val="tx1"/>
+                </a:solidFill>
+                <a:latin typeface="Times New Roman" pitchFamily="18" charset="0"/>
+                <a:ea typeface="ＭＳ Ｐゴシック" pitchFamily="50" charset="-128"/>
+              </a:defRPr>
+            </a:lvl6pPr>
+            <a:lvl7pPr marL="2971800" indent="-228600" eaLnBrk="0" fontAlgn="base" hangingPunct="0">
+              <a:spcBef>
+                <a:spcPct val="0"/>
+              </a:spcBef>
+              <a:spcAft>
+                <a:spcPct val="0"/>
+              </a:spcAft>
+              <a:defRPr kumimoji="1" sz="2400">
+                <a:solidFill>
+                  <a:schemeClr val="tx1"/>
+                </a:solidFill>
+                <a:latin typeface="Times New Roman" pitchFamily="18" charset="0"/>
+                <a:ea typeface="ＭＳ Ｐゴシック" pitchFamily="50" charset="-128"/>
+              </a:defRPr>
+            </a:lvl7pPr>
+            <a:lvl8pPr marL="3429000" indent="-228600" eaLnBrk="0" fontAlgn="base" hangingPunct="0">
+              <a:spcBef>
+                <a:spcPct val="0"/>
+              </a:spcBef>
+              <a:spcAft>
+                <a:spcPct val="0"/>
+              </a:spcAft>
+              <a:defRPr kumimoji="1" sz="2400">
+                <a:solidFill>
+                  <a:schemeClr val="tx1"/>
+                </a:solidFill>
+                <a:latin typeface="Times New Roman" pitchFamily="18" charset="0"/>
+                <a:ea typeface="ＭＳ Ｐゴシック" pitchFamily="50" charset="-128"/>
+              </a:defRPr>
+            </a:lvl8pPr>
+            <a:lvl9pPr marL="3886200" indent="-228600" eaLnBrk="0" fontAlgn="base" hangingPunct="0">
+              <a:spcBef>
+                <a:spcPct val="0"/>
+              </a:spcBef>
+              <a:spcAft>
+                <a:spcPct val="0"/>
+              </a:spcAft>
+              <a:defRPr kumimoji="1" sz="2400">
+                <a:solidFill>
+                  <a:schemeClr val="tx1"/>
+                </a:solidFill>
+                <a:latin typeface="Times New Roman" pitchFamily="18" charset="0"/>
+                <a:ea typeface="ＭＳ Ｐゴシック" pitchFamily="50" charset="-128"/>
+              </a:defRPr>
+            </a:lvl9pPr>
+          </a:lstStyle>
+          <a:p>
+            <a:pPr eaLnBrk="1" hangingPunct="1">
+              <a:spcBef>
+                <a:spcPct val="50000"/>
+              </a:spcBef>
+            </a:pPr>
+            <a:r>
+              <a:rPr lang="en-US" altLang="ja-JP" sz="1200" dirty="0">
+                <a:solidFill>
+                  <a:prstClr val="black"/>
+                </a:solidFill>
+                <a:latin typeface="Corbel" pitchFamily="34" charset="0"/>
+                <a:cs typeface="Miriam" pitchFamily="34" charset="-79"/>
+              </a:rPr>
+              <a:t>copyright© 2011/03.. by SAPPOROWORKS</a:t>
+            </a:r>
+          </a:p>
+        </p:txBody>
+      </p:sp>
+    </p:spTree>
+    <p:extLst>
+      <p:ext uri="{BB962C8B-B14F-4D97-AF65-F5344CB8AC3E}">
+        <p14:creationId xmlns:p14="http://schemas.microsoft.com/office/powerpoint/2010/main" val="3176266131"/>
+      </p:ext>
+    </p:extLst>
+  </p:cSld>
+  <p:clrMapOvr>
+    <a:masterClrMapping/>
+  </p:clrMapOvr>
+  <p:timing>
+    <p:tnLst>
+      <p:par>
+        <p:cTn id="1" dur="indefinite" restart="never" nodeType="tmRoot"/>
+      </p:par>
+    </p:tnLst>
+  </p:timing>
+</p:sld>
+</file>
+
 <file path=ppt/slides/slide4.xml><?xml version="1.0" encoding="utf-8"?>
 <p:sld xmlns:a="http://schemas.openxmlformats.org/drawingml/2006/main" xmlns:r="http://schemas.openxmlformats.org/officeDocument/2006/relationships" xmlns:p="http://schemas.openxmlformats.org/presentationml/2006/main">
   <p:cSld>
@@ -29678,7 +32156,6 @@
               <a:rPr lang="ja-JP" altLang="en-US" sz="2000" dirty="0" smtClean="0"/>
               <a:t>に１・２象限のテストは、要求仕様や設計のテストを目的とする</a:t>
             </a:r>
-            <a:endParaRPr lang="ja-JP" altLang="en-US" sz="2000" dirty="0" smtClean="0"/>
           </a:p>
         </p:txBody>
       </p:sp>
@@ -29951,15 +32428,7 @@
             </a:pPr>
             <a:r>
               <a:rPr lang="ja-JP" altLang="en-US" sz="1800" dirty="0" smtClean="0"/>
-              <a:t>実践アジャイルテスト　</a:t>
-            </a:r>
-            <a:r>
-              <a:rPr lang="ja-JP" altLang="en-US" sz="1800" dirty="0" smtClean="0"/>
-              <a:t>「アジャイルテストの４象限」</a:t>
-            </a:r>
-            <a:r>
-              <a:rPr lang="ja-JP" altLang="en-US" sz="1800" dirty="0" smtClean="0"/>
-              <a:t>より</a:t>
+              <a:t>実践アジャイルテスト　「アジャイルテストの４象限」より</a:t>
             </a:r>
             <a:endParaRPr lang="en-US" altLang="ja-JP" sz="1800" dirty="0" smtClean="0"/>
           </a:p>
@@ -31059,7 +33528,6 @@
               <a:rPr lang="ja-JP" altLang="en-US" sz="2000" dirty="0" smtClean="0"/>
               <a:t>アジャイル開発では、納期を定めない</a:t>
             </a:r>
-            <a:endParaRPr lang="ja-JP" altLang="en-US" sz="2000" dirty="0" smtClean="0"/>
           </a:p>
         </p:txBody>
       </p:sp>
@@ -31547,7 +34015,6 @@
               <a:rPr lang="ja-JP" altLang="en-US" sz="2000" dirty="0" smtClean="0"/>
               <a:t>１つでも有効性を感じれれば、やってみる価値があると思います</a:t>
             </a:r>
-            <a:endParaRPr lang="ja-JP" altLang="en-US" sz="2000" dirty="0" smtClean="0"/>
           </a:p>
         </p:txBody>
       </p:sp>
@@ -32130,7 +34597,6 @@
               <a:rPr lang="en-US" altLang="ja-JP" sz="1800" dirty="0" smtClean="0"/>
               <a:t>http://d.hatena.ne.jp/shuji_w6e/20111204/1323011355</a:t>
             </a:r>
-            <a:endParaRPr lang="en-US" altLang="ja-JP" sz="1800" dirty="0" smtClean="0"/>
           </a:p>
         </p:txBody>
       </p:sp>
@@ -32564,7 +35030,6 @@
               <a:rPr lang="ja-JP" altLang="en-US" sz="2000" dirty="0" smtClean="0"/>
               <a:t>感じた段階区分</a:t>
             </a:r>
-            <a:endParaRPr lang="ja-JP" altLang="en-US" sz="2000" dirty="0" smtClean="0"/>
           </a:p>
         </p:txBody>
       </p:sp>
@@ -33173,10 +35638,6 @@
               <a:rPr lang="ja-JP" altLang="en-US" sz="2200" dirty="0"/>
               <a:t>分からない</a:t>
             </a:r>
-            <a:r>
-              <a:rPr lang="ja-JP" altLang="en-US" sz="2200" dirty="0"/>
-              <a:t/>
-            </a:r>
             <a:br>
               <a:rPr lang="ja-JP" altLang="en-US" sz="2200" dirty="0"/>
             </a:br>
@@ -33503,7 +35964,6 @@
               <a:rPr lang="ja-JP" altLang="en-US" sz="2000" dirty="0" smtClean="0"/>
               <a:t>気にはなっている・・・・・</a:t>
             </a:r>
-            <a:endParaRPr lang="ja-JP" altLang="en-US" sz="2000" dirty="0" smtClean="0"/>
           </a:p>
         </p:txBody>
       </p:sp>
